--- a/S1.2_Toolkit_Development.pptx
+++ b/S1.2_Toolkit_Development.pptx
@@ -2787,7 +2787,7 @@
   <dgm:whole/>
   <dgm:extLst>
     <a:ext uri="http://schemas.microsoft.com/office/drawing/2008/diagram">
-      <dsp:dataModelExt xmlns:dsp="http://schemas.microsoft.com/office/drawing/2008/diagram" relId="rId6" minVer="http://schemas.openxmlformats.org/drawingml/2006/diagram"/>
+      <dsp:dataModelExt xmlns:dsp="http://schemas.microsoft.com/office/drawing/2008/diagram" relId="rId7" minVer="http://schemas.openxmlformats.org/drawingml/2006/diagram"/>
     </a:ext>
   </dgm:extLst>
 </dgm:dataModel>
@@ -2823,11 +2823,7 @@
         <a:p>
           <a:r>
             <a:rPr lang="en-US" dirty="0" smtClean="0"/>
-            <a:t>Adopt Single </a:t>
-          </a:r>
-          <a:r>
-            <a:rPr lang="en-US" dirty="0" smtClean="0"/>
-            <a:t>Standard</a:t>
+            <a:t>Adopt Single Standard</a:t>
           </a:r>
           <a:endParaRPr lang="en-US" dirty="0"/>
         </a:p>
@@ -2964,7 +2960,6 @@
             <a:rPr lang="en-US" dirty="0" smtClean="0"/>
             <a:t>Build Tools</a:t>
           </a:r>
-          <a:endParaRPr lang="en-US" dirty="0" smtClean="0"/>
         </a:p>
       </dgm:t>
     </dgm:pt>
@@ -3037,7 +3032,6 @@
             <a:rPr lang="en-US" b="0" u="none" dirty="0" smtClean="0"/>
             <a:t>Supported Standards</a:t>
           </a:r>
-          <a:endParaRPr lang="en-US" b="0" u="none" dirty="0" smtClean="0"/>
         </a:p>
       </dgm:t>
     </dgm:pt>
@@ -3265,7 +3259,7 @@
   <dgm:whole/>
   <dgm:extLst>
     <a:ext uri="http://schemas.microsoft.com/office/drawing/2008/diagram">
-      <dsp:dataModelExt xmlns:dsp="http://schemas.microsoft.com/office/drawing/2008/diagram" relId="rId6" minVer="http://schemas.openxmlformats.org/drawingml/2006/diagram"/>
+      <dsp:dataModelExt xmlns:dsp="http://schemas.microsoft.com/office/drawing/2008/diagram" relId="rId7" minVer="http://schemas.openxmlformats.org/drawingml/2006/diagram"/>
     </a:ext>
   </dgm:extLst>
 </dgm:dataModel>
@@ -4236,11 +4230,6 @@
             </a:rPr>
             <a:t>...</a:t>
           </a:r>
-          <a:endParaRPr lang="en-US" sz="4000" b="1" dirty="0" smtClean="0">
-            <a:latin typeface="Arial Rounded MT Bold" panose="020F0704030504030204" pitchFamily="34" charset="0"/>
-            <a:ea typeface="Verdana" panose="020B0604030504040204" pitchFamily="34" charset="0"/>
-            <a:cs typeface="Verdana" panose="020B0604030504040204" pitchFamily="34" charset="0"/>
-          </a:endParaRPr>
         </a:p>
       </dgm:t>
     </dgm:pt>
@@ -4285,6 +4274,13 @@
         </dgm:presLayoutVars>
       </dgm:prSet>
       <dgm:spPr/>
+      <dgm:t>
+        <a:bodyPr/>
+        <a:lstStyle/>
+        <a:p>
+          <a:endParaRPr lang="en-US"/>
+        </a:p>
+      </dgm:t>
     </dgm:pt>
     <dgm:pt modelId="{140F52CA-533E-469B-9F0A-619030FDC88B}" type="pres">
       <dgm:prSet presAssocID="{A827F4EF-BD6C-4BE9-8D6D-DB73BE80A8D3}" presName="root1" presStyleCnt="0"/>
@@ -4312,10 +4308,24 @@
     <dgm:pt modelId="{AEBAC1DE-FC48-4C1D-B0AE-4FEC023F0F94}" type="pres">
       <dgm:prSet presAssocID="{9653317B-5E13-4D0D-A3F4-0B784B0AB0B3}" presName="conn2-1" presStyleLbl="parChTrans1D2" presStyleIdx="0" presStyleCnt="4"/>
       <dgm:spPr/>
+      <dgm:t>
+        <a:bodyPr/>
+        <a:lstStyle/>
+        <a:p>
+          <a:endParaRPr lang="en-US"/>
+        </a:p>
+      </dgm:t>
     </dgm:pt>
     <dgm:pt modelId="{402984F4-87B0-499F-B786-F87E5FD93086}" type="pres">
       <dgm:prSet presAssocID="{9653317B-5E13-4D0D-A3F4-0B784B0AB0B3}" presName="connTx" presStyleLbl="parChTrans1D2" presStyleIdx="0" presStyleCnt="4"/>
       <dgm:spPr/>
+      <dgm:t>
+        <a:bodyPr/>
+        <a:lstStyle/>
+        <a:p>
+          <a:endParaRPr lang="en-US"/>
+        </a:p>
+      </dgm:t>
     </dgm:pt>
     <dgm:pt modelId="{46D383AA-D1F4-403B-BC45-FE9F99CD2F49}" type="pres">
       <dgm:prSet presAssocID="{27D8EFCA-06E0-4320-8B82-7EE1E902D7B2}" presName="root2" presStyleCnt="0"/>
@@ -4328,6 +4338,13 @@
         </dgm:presLayoutVars>
       </dgm:prSet>
       <dgm:spPr/>
+      <dgm:t>
+        <a:bodyPr/>
+        <a:lstStyle/>
+        <a:p>
+          <a:endParaRPr lang="en-US"/>
+        </a:p>
+      </dgm:t>
     </dgm:pt>
     <dgm:pt modelId="{0CC6C5A2-29E4-45C3-83E6-8B1607396CE8}" type="pres">
       <dgm:prSet presAssocID="{27D8EFCA-06E0-4320-8B82-7EE1E902D7B2}" presName="level3hierChild" presStyleCnt="0"/>
@@ -4336,10 +4353,24 @@
     <dgm:pt modelId="{00A2BB97-97DF-4CF2-B94A-9D8B0EB4EA1B}" type="pres">
       <dgm:prSet presAssocID="{DA358B86-8069-4E85-83C5-D4E127501397}" presName="conn2-1" presStyleLbl="parChTrans1D2" presStyleIdx="1" presStyleCnt="4"/>
       <dgm:spPr/>
+      <dgm:t>
+        <a:bodyPr/>
+        <a:lstStyle/>
+        <a:p>
+          <a:endParaRPr lang="en-US"/>
+        </a:p>
+      </dgm:t>
     </dgm:pt>
     <dgm:pt modelId="{04A36C04-9455-4270-835B-07546AC2D83B}" type="pres">
       <dgm:prSet presAssocID="{DA358B86-8069-4E85-83C5-D4E127501397}" presName="connTx" presStyleLbl="parChTrans1D2" presStyleIdx="1" presStyleCnt="4"/>
       <dgm:spPr/>
+      <dgm:t>
+        <a:bodyPr/>
+        <a:lstStyle/>
+        <a:p>
+          <a:endParaRPr lang="en-US"/>
+        </a:p>
+      </dgm:t>
     </dgm:pt>
     <dgm:pt modelId="{E6E50FB3-0E6B-4D3B-90FC-1A3FBBFAD08D}" type="pres">
       <dgm:prSet presAssocID="{6BB09DEA-7D21-4D84-81BA-B8DD63C8A45E}" presName="root2" presStyleCnt="0"/>
@@ -4367,10 +4398,24 @@
     <dgm:pt modelId="{CE5E57F2-344D-4135-BC79-1724957B2096}" type="pres">
       <dgm:prSet presAssocID="{296AFADA-85CD-4182-B8AA-9582CC81A921}" presName="conn2-1" presStyleLbl="parChTrans1D3" presStyleIdx="0" presStyleCnt="7"/>
       <dgm:spPr/>
+      <dgm:t>
+        <a:bodyPr/>
+        <a:lstStyle/>
+        <a:p>
+          <a:endParaRPr lang="en-US"/>
+        </a:p>
+      </dgm:t>
     </dgm:pt>
     <dgm:pt modelId="{64A21A78-85F4-47E4-BB35-630B8DF6AB2F}" type="pres">
       <dgm:prSet presAssocID="{296AFADA-85CD-4182-B8AA-9582CC81A921}" presName="connTx" presStyleLbl="parChTrans1D3" presStyleIdx="0" presStyleCnt="7"/>
       <dgm:spPr/>
+      <dgm:t>
+        <a:bodyPr/>
+        <a:lstStyle/>
+        <a:p>
+          <a:endParaRPr lang="en-US"/>
+        </a:p>
+      </dgm:t>
     </dgm:pt>
     <dgm:pt modelId="{ACA74F35-78F3-430A-B4D9-C28CC42BA127}" type="pres">
       <dgm:prSet presAssocID="{AC91E726-E191-4296-ACA3-3AF2428BA69B}" presName="root2" presStyleCnt="0"/>
@@ -4398,10 +4443,24 @@
     <dgm:pt modelId="{F6CA0B86-9F02-4F91-9C18-E8A6366512CC}" type="pres">
       <dgm:prSet presAssocID="{9A7D380C-670C-48C6-971D-007D5D3DD42E}" presName="conn2-1" presStyleLbl="parChTrans1D3" presStyleIdx="1" presStyleCnt="7"/>
       <dgm:spPr/>
+      <dgm:t>
+        <a:bodyPr/>
+        <a:lstStyle/>
+        <a:p>
+          <a:endParaRPr lang="en-US"/>
+        </a:p>
+      </dgm:t>
     </dgm:pt>
     <dgm:pt modelId="{869750FB-9FA8-43FB-B0AF-15C9FF1B89FC}" type="pres">
       <dgm:prSet presAssocID="{9A7D380C-670C-48C6-971D-007D5D3DD42E}" presName="connTx" presStyleLbl="parChTrans1D3" presStyleIdx="1" presStyleCnt="7"/>
       <dgm:spPr/>
+      <dgm:t>
+        <a:bodyPr/>
+        <a:lstStyle/>
+        <a:p>
+          <a:endParaRPr lang="en-US"/>
+        </a:p>
+      </dgm:t>
     </dgm:pt>
     <dgm:pt modelId="{B085C630-B07A-4357-B754-892069737194}" type="pres">
       <dgm:prSet presAssocID="{0B71CD23-265E-40AA-9D89-FE6CFCCCD986}" presName="root2" presStyleCnt="0"/>
@@ -4429,10 +4488,24 @@
     <dgm:pt modelId="{E00D937A-E19A-4B84-B0CE-E4AEF94E8109}" type="pres">
       <dgm:prSet presAssocID="{2F0D9B3A-3790-44DB-AB00-789A8AC9D6F7}" presName="conn2-1" presStyleLbl="parChTrans1D2" presStyleIdx="2" presStyleCnt="4"/>
       <dgm:spPr/>
+      <dgm:t>
+        <a:bodyPr/>
+        <a:lstStyle/>
+        <a:p>
+          <a:endParaRPr lang="en-US"/>
+        </a:p>
+      </dgm:t>
     </dgm:pt>
     <dgm:pt modelId="{D21E36AD-D51B-4FFF-BB87-F7587F4B22BB}" type="pres">
       <dgm:prSet presAssocID="{2F0D9B3A-3790-44DB-AB00-789A8AC9D6F7}" presName="connTx" presStyleLbl="parChTrans1D2" presStyleIdx="2" presStyleCnt="4"/>
       <dgm:spPr/>
+      <dgm:t>
+        <a:bodyPr/>
+        <a:lstStyle/>
+        <a:p>
+          <a:endParaRPr lang="en-US"/>
+        </a:p>
+      </dgm:t>
     </dgm:pt>
     <dgm:pt modelId="{5C3D8F9D-A5A4-4551-9D05-34486DB9BA80}" type="pres">
       <dgm:prSet presAssocID="{B7F1BD51-D76F-4EC9-8774-008A79A18FCB}" presName="root2" presStyleCnt="0"/>
@@ -4445,6 +4518,13 @@
         </dgm:presLayoutVars>
       </dgm:prSet>
       <dgm:spPr/>
+      <dgm:t>
+        <a:bodyPr/>
+        <a:lstStyle/>
+        <a:p>
+          <a:endParaRPr lang="en-US"/>
+        </a:p>
+      </dgm:t>
     </dgm:pt>
     <dgm:pt modelId="{C24C9360-80F7-4429-B88E-52DA6D337B91}" type="pres">
       <dgm:prSet presAssocID="{B7F1BD51-D76F-4EC9-8774-008A79A18FCB}" presName="level3hierChild" presStyleCnt="0"/>
@@ -4453,10 +4533,24 @@
     <dgm:pt modelId="{8F52E345-5F9B-4160-A13F-E858C8C34CF9}" type="pres">
       <dgm:prSet presAssocID="{0BACE3C3-1BC8-4F1E-B8E6-7E4600AA4B9F}" presName="conn2-1" presStyleLbl="parChTrans1D3" presStyleIdx="2" presStyleCnt="7"/>
       <dgm:spPr/>
+      <dgm:t>
+        <a:bodyPr/>
+        <a:lstStyle/>
+        <a:p>
+          <a:endParaRPr lang="en-US"/>
+        </a:p>
+      </dgm:t>
     </dgm:pt>
     <dgm:pt modelId="{5310CB01-E75E-4488-B6FD-9A3EB5098630}" type="pres">
       <dgm:prSet presAssocID="{0BACE3C3-1BC8-4F1E-B8E6-7E4600AA4B9F}" presName="connTx" presStyleLbl="parChTrans1D3" presStyleIdx="2" presStyleCnt="7"/>
       <dgm:spPr/>
+      <dgm:t>
+        <a:bodyPr/>
+        <a:lstStyle/>
+        <a:p>
+          <a:endParaRPr lang="en-US"/>
+        </a:p>
+      </dgm:t>
     </dgm:pt>
     <dgm:pt modelId="{579B9ADB-97E1-4813-AA02-FB1CCB707574}" type="pres">
       <dgm:prSet presAssocID="{BDA1D446-75C4-4754-BB03-DCA1B6C0C8A1}" presName="root2" presStyleCnt="0"/>
@@ -4484,10 +4578,24 @@
     <dgm:pt modelId="{E7178DAB-C863-432D-8B35-CB2F141412A3}" type="pres">
       <dgm:prSet presAssocID="{9D7C506E-35F9-4AB0-81F9-D6A7626609FC}" presName="conn2-1" presStyleLbl="parChTrans1D3" presStyleIdx="3" presStyleCnt="7"/>
       <dgm:spPr/>
+      <dgm:t>
+        <a:bodyPr/>
+        <a:lstStyle/>
+        <a:p>
+          <a:endParaRPr lang="en-US"/>
+        </a:p>
+      </dgm:t>
     </dgm:pt>
     <dgm:pt modelId="{1421F7B0-A549-4327-90B2-CD9C6AA92AAA}" type="pres">
       <dgm:prSet presAssocID="{9D7C506E-35F9-4AB0-81F9-D6A7626609FC}" presName="connTx" presStyleLbl="parChTrans1D3" presStyleIdx="3" presStyleCnt="7"/>
       <dgm:spPr/>
+      <dgm:t>
+        <a:bodyPr/>
+        <a:lstStyle/>
+        <a:p>
+          <a:endParaRPr lang="en-US"/>
+        </a:p>
+      </dgm:t>
     </dgm:pt>
     <dgm:pt modelId="{AA9B393A-78F1-4ABF-812D-7621B6747A7B}" type="pres">
       <dgm:prSet presAssocID="{24E27EC7-92B0-4CE6-B8D7-3DB318D077BA}" presName="root2" presStyleCnt="0"/>
@@ -4515,10 +4623,24 @@
     <dgm:pt modelId="{410AA857-C0B6-4666-AD67-1E407A56C2E2}" type="pres">
       <dgm:prSet presAssocID="{A5CC5D35-5DD5-46A6-A90F-ACD633ED9128}" presName="conn2-1" presStyleLbl="parChTrans1D4" presStyleIdx="0" presStyleCnt="4"/>
       <dgm:spPr/>
+      <dgm:t>
+        <a:bodyPr/>
+        <a:lstStyle/>
+        <a:p>
+          <a:endParaRPr lang="en-US"/>
+        </a:p>
+      </dgm:t>
     </dgm:pt>
     <dgm:pt modelId="{6C6EAEBF-C129-4736-ABCB-0D36A8FA035F}" type="pres">
       <dgm:prSet presAssocID="{A5CC5D35-5DD5-46A6-A90F-ACD633ED9128}" presName="connTx" presStyleLbl="parChTrans1D4" presStyleIdx="0" presStyleCnt="4"/>
       <dgm:spPr/>
+      <dgm:t>
+        <a:bodyPr/>
+        <a:lstStyle/>
+        <a:p>
+          <a:endParaRPr lang="en-US"/>
+        </a:p>
+      </dgm:t>
     </dgm:pt>
     <dgm:pt modelId="{0C29856D-E39B-4A4F-A163-F7C21EAA1B24}" type="pres">
       <dgm:prSet presAssocID="{805561F5-EA83-4CDD-9CF2-C8AC95BEBCC3}" presName="root2" presStyleCnt="0"/>
@@ -4546,10 +4668,24 @@
     <dgm:pt modelId="{6692F967-7047-453F-9FB7-5BD0641F164A}" type="pres">
       <dgm:prSet presAssocID="{6E518202-013D-40D6-84E8-6614FFE34C4B}" presName="conn2-1" presStyleLbl="parChTrans1D4" presStyleIdx="1" presStyleCnt="4"/>
       <dgm:spPr/>
+      <dgm:t>
+        <a:bodyPr/>
+        <a:lstStyle/>
+        <a:p>
+          <a:endParaRPr lang="en-US"/>
+        </a:p>
+      </dgm:t>
     </dgm:pt>
     <dgm:pt modelId="{E424DD18-86B0-44B3-85FE-951E0872E1D2}" type="pres">
       <dgm:prSet presAssocID="{6E518202-013D-40D6-84E8-6614FFE34C4B}" presName="connTx" presStyleLbl="parChTrans1D4" presStyleIdx="1" presStyleCnt="4"/>
       <dgm:spPr/>
+      <dgm:t>
+        <a:bodyPr/>
+        <a:lstStyle/>
+        <a:p>
+          <a:endParaRPr lang="en-US"/>
+        </a:p>
+      </dgm:t>
     </dgm:pt>
     <dgm:pt modelId="{F1F050A8-76F6-4ABB-A6CD-DBFA239BC91B}" type="pres">
       <dgm:prSet presAssocID="{26F8EAA7-8A97-4168-9AC8-481D16C272F9}" presName="root2" presStyleCnt="0"/>
@@ -4577,10 +4713,24 @@
     <dgm:pt modelId="{B6041E19-44BC-44D0-A478-5048EF244E61}" type="pres">
       <dgm:prSet presAssocID="{DEB14BC9-81A9-41B5-A294-78D12FE21B97}" presName="conn2-1" presStyleLbl="parChTrans1D4" presStyleIdx="2" presStyleCnt="4"/>
       <dgm:spPr/>
+      <dgm:t>
+        <a:bodyPr/>
+        <a:lstStyle/>
+        <a:p>
+          <a:endParaRPr lang="en-US"/>
+        </a:p>
+      </dgm:t>
     </dgm:pt>
     <dgm:pt modelId="{FFADE67D-9853-42BB-B046-351CE2F3B1EF}" type="pres">
       <dgm:prSet presAssocID="{DEB14BC9-81A9-41B5-A294-78D12FE21B97}" presName="connTx" presStyleLbl="parChTrans1D4" presStyleIdx="2" presStyleCnt="4"/>
       <dgm:spPr/>
+      <dgm:t>
+        <a:bodyPr/>
+        <a:lstStyle/>
+        <a:p>
+          <a:endParaRPr lang="en-US"/>
+        </a:p>
+      </dgm:t>
     </dgm:pt>
     <dgm:pt modelId="{E9529222-CF6C-4BB1-9DF5-A6ED289FBAD5}" type="pres">
       <dgm:prSet presAssocID="{E5C50C8C-79EE-49AA-A17C-D80E2EA992EB}" presName="root2" presStyleCnt="0"/>
@@ -4608,10 +4758,24 @@
     <dgm:pt modelId="{ABBB0174-0B58-48F9-A1AF-07EF065A9026}" type="pres">
       <dgm:prSet presAssocID="{ED5C5DCC-C16D-42D4-B283-675E02019722}" presName="conn2-1" presStyleLbl="parChTrans1D4" presStyleIdx="3" presStyleCnt="4"/>
       <dgm:spPr/>
+      <dgm:t>
+        <a:bodyPr/>
+        <a:lstStyle/>
+        <a:p>
+          <a:endParaRPr lang="en-US"/>
+        </a:p>
+      </dgm:t>
     </dgm:pt>
     <dgm:pt modelId="{BFB309A6-F711-47A0-8183-D6D2E445C020}" type="pres">
       <dgm:prSet presAssocID="{ED5C5DCC-C16D-42D4-B283-675E02019722}" presName="connTx" presStyleLbl="parChTrans1D4" presStyleIdx="3" presStyleCnt="4"/>
       <dgm:spPr/>
+      <dgm:t>
+        <a:bodyPr/>
+        <a:lstStyle/>
+        <a:p>
+          <a:endParaRPr lang="en-US"/>
+        </a:p>
+      </dgm:t>
     </dgm:pt>
     <dgm:pt modelId="{5A01EBD2-BC2C-4E0E-989C-83BC13B858C8}" type="pres">
       <dgm:prSet presAssocID="{35CE1790-33CE-414A-AB53-E06A052D2180}" presName="root2" presStyleCnt="0"/>
@@ -4639,10 +4803,24 @@
     <dgm:pt modelId="{9CEBCCEE-73C8-4232-BFB1-B69D41A3ECA0}" type="pres">
       <dgm:prSet presAssocID="{B908E2DE-9EB5-419B-87D5-F642A90EDBD2}" presName="conn2-1" presStyleLbl="parChTrans1D3" presStyleIdx="4" presStyleCnt="7"/>
       <dgm:spPr/>
+      <dgm:t>
+        <a:bodyPr/>
+        <a:lstStyle/>
+        <a:p>
+          <a:endParaRPr lang="en-US"/>
+        </a:p>
+      </dgm:t>
     </dgm:pt>
     <dgm:pt modelId="{24122BF0-2348-496F-BA89-AD8705FA5F65}" type="pres">
       <dgm:prSet presAssocID="{B908E2DE-9EB5-419B-87D5-F642A90EDBD2}" presName="connTx" presStyleLbl="parChTrans1D3" presStyleIdx="4" presStyleCnt="7"/>
       <dgm:spPr/>
+      <dgm:t>
+        <a:bodyPr/>
+        <a:lstStyle/>
+        <a:p>
+          <a:endParaRPr lang="en-US"/>
+        </a:p>
+      </dgm:t>
     </dgm:pt>
     <dgm:pt modelId="{C49943F1-4C1F-4B97-AD84-4DBFBF574FBC}" type="pres">
       <dgm:prSet presAssocID="{F098F2DE-E51C-42D1-B5BE-F8D52E8BA119}" presName="root2" presStyleCnt="0"/>
@@ -4655,6 +4833,13 @@
         </dgm:presLayoutVars>
       </dgm:prSet>
       <dgm:spPr/>
+      <dgm:t>
+        <a:bodyPr/>
+        <a:lstStyle/>
+        <a:p>
+          <a:endParaRPr lang="en-US"/>
+        </a:p>
+      </dgm:t>
     </dgm:pt>
     <dgm:pt modelId="{DCF99998-BBDE-4D07-BC61-9D095CD8B488}" type="pres">
       <dgm:prSet presAssocID="{F098F2DE-E51C-42D1-B5BE-F8D52E8BA119}" presName="level3hierChild" presStyleCnt="0"/>
@@ -4663,10 +4848,24 @@
     <dgm:pt modelId="{454CB2DC-1F37-407D-8367-F17FE97AA411}" type="pres">
       <dgm:prSet presAssocID="{5A708550-7102-4EC6-A86F-A695F79D4898}" presName="conn2-1" presStyleLbl="parChTrans1D3" presStyleIdx="5" presStyleCnt="7"/>
       <dgm:spPr/>
+      <dgm:t>
+        <a:bodyPr/>
+        <a:lstStyle/>
+        <a:p>
+          <a:endParaRPr lang="en-US"/>
+        </a:p>
+      </dgm:t>
     </dgm:pt>
     <dgm:pt modelId="{7E74DBE0-2717-4D35-9D3F-DBA696EA03F9}" type="pres">
       <dgm:prSet presAssocID="{5A708550-7102-4EC6-A86F-A695F79D4898}" presName="connTx" presStyleLbl="parChTrans1D3" presStyleIdx="5" presStyleCnt="7"/>
       <dgm:spPr/>
+      <dgm:t>
+        <a:bodyPr/>
+        <a:lstStyle/>
+        <a:p>
+          <a:endParaRPr lang="en-US"/>
+        </a:p>
+      </dgm:t>
     </dgm:pt>
     <dgm:pt modelId="{1A25AA86-FA0F-4431-AB55-206EE8D11132}" type="pres">
       <dgm:prSet presAssocID="{BED05BA1-13C4-44E6-9035-1009D70E0C8E}" presName="root2" presStyleCnt="0"/>
@@ -4694,10 +4893,24 @@
     <dgm:pt modelId="{2B7A151B-ED1C-4791-8233-374197140003}" type="pres">
       <dgm:prSet presAssocID="{431E69D2-3E8F-447F-951C-9FBC6539F934}" presName="conn2-1" presStyleLbl="parChTrans1D3" presStyleIdx="6" presStyleCnt="7"/>
       <dgm:spPr/>
+      <dgm:t>
+        <a:bodyPr/>
+        <a:lstStyle/>
+        <a:p>
+          <a:endParaRPr lang="en-US"/>
+        </a:p>
+      </dgm:t>
     </dgm:pt>
     <dgm:pt modelId="{C5D3EBD0-B6B5-454C-BDA9-CE64345F96B1}" type="pres">
       <dgm:prSet presAssocID="{431E69D2-3E8F-447F-951C-9FBC6539F934}" presName="connTx" presStyleLbl="parChTrans1D3" presStyleIdx="6" presStyleCnt="7"/>
       <dgm:spPr/>
+      <dgm:t>
+        <a:bodyPr/>
+        <a:lstStyle/>
+        <a:p>
+          <a:endParaRPr lang="en-US"/>
+        </a:p>
+      </dgm:t>
     </dgm:pt>
     <dgm:pt modelId="{2E834928-B3D3-4F53-BEED-8A28D8C5B2DB}" type="pres">
       <dgm:prSet presAssocID="{0BB8C659-D374-4603-8DAE-A464A473CC46}" presName="root2" presStyleCnt="0"/>
@@ -4710,6 +4923,13 @@
         </dgm:presLayoutVars>
       </dgm:prSet>
       <dgm:spPr/>
+      <dgm:t>
+        <a:bodyPr/>
+        <a:lstStyle/>
+        <a:p>
+          <a:endParaRPr lang="en-US"/>
+        </a:p>
+      </dgm:t>
     </dgm:pt>
     <dgm:pt modelId="{090BCA4D-776A-4D04-82CC-51A08B73ECC4}" type="pres">
       <dgm:prSet presAssocID="{0BB8C659-D374-4603-8DAE-A464A473CC46}" presName="level3hierChild" presStyleCnt="0"/>
@@ -4718,10 +4938,24 @@
     <dgm:pt modelId="{C1A3000D-9ACB-4FF4-A196-1491B080AC57}" type="pres">
       <dgm:prSet presAssocID="{E3D526ED-AFF5-492F-862D-B89C4C0ABA12}" presName="conn2-1" presStyleLbl="parChTrans1D2" presStyleIdx="3" presStyleCnt="4"/>
       <dgm:spPr/>
+      <dgm:t>
+        <a:bodyPr/>
+        <a:lstStyle/>
+        <a:p>
+          <a:endParaRPr lang="en-US"/>
+        </a:p>
+      </dgm:t>
     </dgm:pt>
     <dgm:pt modelId="{8751A30D-CB6E-4A1D-ABB9-1F206F272159}" type="pres">
       <dgm:prSet presAssocID="{E3D526ED-AFF5-492F-862D-B89C4C0ABA12}" presName="connTx" presStyleLbl="parChTrans1D2" presStyleIdx="3" presStyleCnt="4"/>
       <dgm:spPr/>
+      <dgm:t>
+        <a:bodyPr/>
+        <a:lstStyle/>
+        <a:p>
+          <a:endParaRPr lang="en-US"/>
+        </a:p>
+      </dgm:t>
     </dgm:pt>
     <dgm:pt modelId="{CA9EE1B3-857F-4BD5-A540-6864D3D00E1D}" type="pres">
       <dgm:prSet presAssocID="{37192674-C6CF-4B51-9414-52619F48D1A7}" presName="root2" presStyleCnt="0"/>
@@ -4734,6 +4968,13 @@
         </dgm:presLayoutVars>
       </dgm:prSet>
       <dgm:spPr/>
+      <dgm:t>
+        <a:bodyPr/>
+        <a:lstStyle/>
+        <a:p>
+          <a:endParaRPr lang="en-US"/>
+        </a:p>
+      </dgm:t>
     </dgm:pt>
     <dgm:pt modelId="{BDBA854D-EC29-40EB-82B9-C5EB43EA0832}" type="pres">
       <dgm:prSet presAssocID="{37192674-C6CF-4B51-9414-52619F48D1A7}" presName="level3hierChild" presStyleCnt="0"/>
@@ -4743,9 +4984,9 @@
   <dgm:cxnLst>
     <dgm:cxn modelId="{5579F870-183E-4DBF-AD7D-E0C40F531803}" type="presOf" srcId="{2F0D9B3A-3790-44DB-AB00-789A8AC9D6F7}" destId="{E00D937A-E19A-4B84-B0CE-E4AEF94E8109}" srcOrd="0" destOrd="0" presId="urn:microsoft.com/office/officeart/2008/layout/HorizontalMultiLevelHierarchy"/>
     <dgm:cxn modelId="{86BD1E2F-7817-48C6-9C27-5269361DE207}" type="presOf" srcId="{9D7C506E-35F9-4AB0-81F9-D6A7626609FC}" destId="{E7178DAB-C863-432D-8B35-CB2F141412A3}" srcOrd="0" destOrd="0" presId="urn:microsoft.com/office/officeart/2008/layout/HorizontalMultiLevelHierarchy"/>
+    <dgm:cxn modelId="{2D738965-6D9D-4DBD-8C0F-A733CF3A4B3F}" type="presOf" srcId="{431E69D2-3E8F-447F-951C-9FBC6539F934}" destId="{2B7A151B-ED1C-4791-8233-374197140003}" srcOrd="0" destOrd="0" presId="urn:microsoft.com/office/officeart/2008/layout/HorizontalMultiLevelHierarchy"/>
     <dgm:cxn modelId="{3F5FBE07-090A-4496-96A2-0EC5FDB10E82}" type="presOf" srcId="{2F0D9B3A-3790-44DB-AB00-789A8AC9D6F7}" destId="{D21E36AD-D51B-4FFF-BB87-F7587F4B22BB}" srcOrd="1" destOrd="0" presId="urn:microsoft.com/office/officeart/2008/layout/HorizontalMultiLevelHierarchy"/>
     <dgm:cxn modelId="{7153CA31-DF0B-4733-A81C-82818EA06864}" type="presOf" srcId="{6E518202-013D-40D6-84E8-6614FFE34C4B}" destId="{E424DD18-86B0-44B3-85FE-951E0872E1D2}" srcOrd="1" destOrd="0" presId="urn:microsoft.com/office/officeart/2008/layout/HorizontalMultiLevelHierarchy"/>
-    <dgm:cxn modelId="{2D738965-6D9D-4DBD-8C0F-A733CF3A4B3F}" type="presOf" srcId="{431E69D2-3E8F-447F-951C-9FBC6539F934}" destId="{2B7A151B-ED1C-4791-8233-374197140003}" srcOrd="0" destOrd="0" presId="urn:microsoft.com/office/officeart/2008/layout/HorizontalMultiLevelHierarchy"/>
     <dgm:cxn modelId="{B0927920-D6D9-41C0-B670-25499233ABA9}" type="presOf" srcId="{DA358B86-8069-4E85-83C5-D4E127501397}" destId="{04A36C04-9455-4270-835B-07546AC2D83B}" srcOrd="1" destOrd="0" presId="urn:microsoft.com/office/officeart/2008/layout/HorizontalMultiLevelHierarchy"/>
     <dgm:cxn modelId="{EBD479C3-58DC-4AB8-8CDD-780DEBC2CD8F}" type="presOf" srcId="{BED05BA1-13C4-44E6-9035-1009D70E0C8E}" destId="{81A468B8-978A-4EA8-9952-D187AC888706}" srcOrd="0" destOrd="0" presId="urn:microsoft.com/office/officeart/2008/layout/HorizontalMultiLevelHierarchy"/>
     <dgm:cxn modelId="{396744AE-CD2D-4A8D-8FDE-646350FF556F}" srcId="{B7F1BD51-D76F-4EC9-8774-008A79A18FCB}" destId="{BDA1D446-75C4-4754-BB03-DCA1B6C0C8A1}" srcOrd="0" destOrd="0" parTransId="{0BACE3C3-1BC8-4F1E-B8E6-7E4600AA4B9F}" sibTransId="{F4D25D1A-7A97-4609-B8C0-CA514F2E5B51}"/>
@@ -4766,33 +5007,33 @@
     <dgm:cxn modelId="{D236B14D-9A29-4FF3-8743-8B6D506C0DB9}" type="presOf" srcId="{5A708550-7102-4EC6-A86F-A695F79D4898}" destId="{7E74DBE0-2717-4D35-9D3F-DBA696EA03F9}" srcOrd="1" destOrd="0" presId="urn:microsoft.com/office/officeart/2008/layout/HorizontalMultiLevelHierarchy"/>
     <dgm:cxn modelId="{1E306283-DDDF-4F52-BA47-F0F30A4A3AD6}" type="presOf" srcId="{A5CC5D35-5DD5-46A6-A90F-ACD633ED9128}" destId="{6C6EAEBF-C129-4736-ABCB-0D36A8FA035F}" srcOrd="1" destOrd="0" presId="urn:microsoft.com/office/officeart/2008/layout/HorizontalMultiLevelHierarchy"/>
     <dgm:cxn modelId="{2BC4BC26-B314-4E0D-9C06-CB81D0F5AF76}" type="presOf" srcId="{ED5C5DCC-C16D-42D4-B283-675E02019722}" destId="{BFB309A6-F711-47A0-8183-D6D2E445C020}" srcOrd="1" destOrd="0" presId="urn:microsoft.com/office/officeart/2008/layout/HorizontalMultiLevelHierarchy"/>
-    <dgm:cxn modelId="{14BB0306-6D5A-46D0-8A5B-8B38D852CD8A}" srcId="{6BB09DEA-7D21-4D84-81BA-B8DD63C8A45E}" destId="{0B71CD23-265E-40AA-9D89-FE6CFCCCD986}" srcOrd="1" destOrd="0" parTransId="{9A7D380C-670C-48C6-971D-007D5D3DD42E}" sibTransId="{8FC7A74E-090F-4F39-9E9D-7801E1AD5719}"/>
     <dgm:cxn modelId="{3A1D31C4-E518-47F4-A64E-8EC17276A722}" type="presOf" srcId="{805561F5-EA83-4CDD-9CF2-C8AC95BEBCC3}" destId="{FD06ED58-D252-4312-873E-93FF3B8567E2}" srcOrd="0" destOrd="0" presId="urn:microsoft.com/office/officeart/2008/layout/HorizontalMultiLevelHierarchy"/>
     <dgm:cxn modelId="{B4CAC9F8-468F-4EF5-BAC0-64C0FC99E44F}" type="presOf" srcId="{296AFADA-85CD-4182-B8AA-9582CC81A921}" destId="{CE5E57F2-344D-4135-BC79-1724957B2096}" srcOrd="0" destOrd="0" presId="urn:microsoft.com/office/officeart/2008/layout/HorizontalMultiLevelHierarchy"/>
+    <dgm:cxn modelId="{14BB0306-6D5A-46D0-8A5B-8B38D852CD8A}" srcId="{6BB09DEA-7D21-4D84-81BA-B8DD63C8A45E}" destId="{0B71CD23-265E-40AA-9D89-FE6CFCCCD986}" srcOrd="1" destOrd="0" parTransId="{9A7D380C-670C-48C6-971D-007D5D3DD42E}" sibTransId="{8FC7A74E-090F-4F39-9E9D-7801E1AD5719}"/>
     <dgm:cxn modelId="{FC4E25B7-777C-4F1D-932F-377C01332DBA}" srcId="{A827F4EF-BD6C-4BE9-8D6D-DB73BE80A8D3}" destId="{27D8EFCA-06E0-4320-8B82-7EE1E902D7B2}" srcOrd="0" destOrd="0" parTransId="{9653317B-5E13-4D0D-A3F4-0B784B0AB0B3}" sibTransId="{6E07F396-F350-40CD-B2F2-7E8071C62CFF}"/>
     <dgm:cxn modelId="{B5BB88FE-DDD6-4EB5-9716-C89C9B70A5F2}" srcId="{A827F4EF-BD6C-4BE9-8D6D-DB73BE80A8D3}" destId="{6BB09DEA-7D21-4D84-81BA-B8DD63C8A45E}" srcOrd="1" destOrd="0" parTransId="{DA358B86-8069-4E85-83C5-D4E127501397}" sibTransId="{6FB1307D-A4D5-444F-A554-FF501EBB4A9F}"/>
+    <dgm:cxn modelId="{42849407-C068-4E4A-883E-1F1EF7962662}" type="presOf" srcId="{26F8EAA7-8A97-4168-9AC8-481D16C272F9}" destId="{193F399E-D4B1-477E-9F82-6A78E1C8B386}" srcOrd="0" destOrd="0" presId="urn:microsoft.com/office/officeart/2008/layout/HorizontalMultiLevelHierarchy"/>
     <dgm:cxn modelId="{B939CF4E-CF6F-4D4C-AD56-83BCC8A660D2}" type="presOf" srcId="{296AFADA-85CD-4182-B8AA-9582CC81A921}" destId="{64A21A78-85F4-47E4-BB35-630B8DF6AB2F}" srcOrd="1" destOrd="0" presId="urn:microsoft.com/office/officeart/2008/layout/HorizontalMultiLevelHierarchy"/>
-    <dgm:cxn modelId="{42849407-C068-4E4A-883E-1F1EF7962662}" type="presOf" srcId="{26F8EAA7-8A97-4168-9AC8-481D16C272F9}" destId="{193F399E-D4B1-477E-9F82-6A78E1C8B386}" srcOrd="0" destOrd="0" presId="urn:microsoft.com/office/officeart/2008/layout/HorizontalMultiLevelHierarchy"/>
     <dgm:cxn modelId="{EF3C21D2-849A-45D9-8BBE-1D5CAF24F31F}" type="presOf" srcId="{24E27EC7-92B0-4CE6-B8D7-3DB318D077BA}" destId="{970FB833-3199-4FC4-B156-45799EFAD2DB}" srcOrd="0" destOrd="0" presId="urn:microsoft.com/office/officeart/2008/layout/HorizontalMultiLevelHierarchy"/>
     <dgm:cxn modelId="{9A5ED20D-6E1F-4D11-88F7-F1448FF033B1}" srcId="{24E27EC7-92B0-4CE6-B8D7-3DB318D077BA}" destId="{35CE1790-33CE-414A-AB53-E06A052D2180}" srcOrd="3" destOrd="0" parTransId="{ED5C5DCC-C16D-42D4-B283-675E02019722}" sibTransId="{C402CA80-BACA-4634-8391-4CC8B3FC298F}"/>
     <dgm:cxn modelId="{993B6AC0-00E2-45E2-9334-161E3F79233B}" srcId="{24E27EC7-92B0-4CE6-B8D7-3DB318D077BA}" destId="{E5C50C8C-79EE-49AA-A17C-D80E2EA992EB}" srcOrd="2" destOrd="0" parTransId="{DEB14BC9-81A9-41B5-A294-78D12FE21B97}" sibTransId="{FC1BDAA0-C220-4C56-93DC-1DBE820BF1EC}"/>
+    <dgm:cxn modelId="{601343B5-8FBF-4BAA-AE49-8141A8698DEF}" type="presOf" srcId="{ED5C5DCC-C16D-42D4-B283-675E02019722}" destId="{ABBB0174-0B58-48F9-A1AF-07EF065A9026}" srcOrd="0" destOrd="0" presId="urn:microsoft.com/office/officeart/2008/layout/HorizontalMultiLevelHierarchy"/>
     <dgm:cxn modelId="{01098C68-DE80-48A3-A6E2-1B8C4FA95283}" type="presOf" srcId="{E3D526ED-AFF5-492F-862D-B89C4C0ABA12}" destId="{C1A3000D-9ACB-4FF4-A196-1491B080AC57}" srcOrd="0" destOrd="0" presId="urn:microsoft.com/office/officeart/2008/layout/HorizontalMultiLevelHierarchy"/>
-    <dgm:cxn modelId="{601343B5-8FBF-4BAA-AE49-8141A8698DEF}" type="presOf" srcId="{ED5C5DCC-C16D-42D4-B283-675E02019722}" destId="{ABBB0174-0B58-48F9-A1AF-07EF065A9026}" srcOrd="0" destOrd="0" presId="urn:microsoft.com/office/officeart/2008/layout/HorizontalMultiLevelHierarchy"/>
     <dgm:cxn modelId="{74701DF5-1CD2-407A-A5B6-4F5449851265}" type="presOf" srcId="{0B71CD23-265E-40AA-9D89-FE6CFCCCD986}" destId="{FC976B38-A5DC-4949-B6A8-F9E7D4531E17}" srcOrd="0" destOrd="0" presId="urn:microsoft.com/office/officeart/2008/layout/HorizontalMultiLevelHierarchy"/>
     <dgm:cxn modelId="{06BECB58-0DB2-4FDE-AA58-D79ECCE36D98}" type="presOf" srcId="{DEB14BC9-81A9-41B5-A294-78D12FE21B97}" destId="{FFADE67D-9853-42BB-B046-351CE2F3B1EF}" srcOrd="1" destOrd="0" presId="urn:microsoft.com/office/officeart/2008/layout/HorizontalMultiLevelHierarchy"/>
     <dgm:cxn modelId="{79CECE36-1B5F-4DD4-8C7F-87AE7E1FFA79}" type="presOf" srcId="{0BB8C659-D374-4603-8DAE-A464A473CC46}" destId="{00840B8B-FA04-42A6-A901-D1E31726B9D3}" srcOrd="0" destOrd="0" presId="urn:microsoft.com/office/officeart/2008/layout/HorizontalMultiLevelHierarchy"/>
     <dgm:cxn modelId="{7004C4E7-1C7C-4C9A-AFFA-19EF921B5AAF}" type="presOf" srcId="{B908E2DE-9EB5-419B-87D5-F642A90EDBD2}" destId="{9CEBCCEE-73C8-4232-BFB1-B69D41A3ECA0}" srcOrd="0" destOrd="0" presId="urn:microsoft.com/office/officeart/2008/layout/HorizontalMultiLevelHierarchy"/>
     <dgm:cxn modelId="{E3DFA369-FAE7-4E56-BD3A-062DC48F8571}" srcId="{0779EA4B-1FCE-4065-A41C-CF44A689435B}" destId="{A827F4EF-BD6C-4BE9-8D6D-DB73BE80A8D3}" srcOrd="0" destOrd="0" parTransId="{25594706-E6E3-4FBA-8026-6A9977401BB5}" sibTransId="{E72E602F-F17A-4E32-8A96-BC81E4AEBFDD}"/>
     <dgm:cxn modelId="{80657A4F-BD44-46A9-8EAE-E711171E0D9B}" srcId="{A827F4EF-BD6C-4BE9-8D6D-DB73BE80A8D3}" destId="{37192674-C6CF-4B51-9414-52619F48D1A7}" srcOrd="3" destOrd="0" parTransId="{E3D526ED-AFF5-492F-862D-B89C4C0ABA12}" sibTransId="{2CFC68C7-FD15-4CF7-9FCC-3D456EC14A1F}"/>
+    <dgm:cxn modelId="{E67E1849-8D7C-4B3B-AB29-5B2EED3ECD26}" srcId="{B7F1BD51-D76F-4EC9-8774-008A79A18FCB}" destId="{0BB8C659-D374-4603-8DAE-A464A473CC46}" srcOrd="4" destOrd="0" parTransId="{431E69D2-3E8F-447F-951C-9FBC6539F934}" sibTransId="{649D1F1E-C975-4EF7-AEA3-8BB8932CCF1B}"/>
     <dgm:cxn modelId="{DFF5BB2D-EF82-43E0-92F8-EE011F37CCC7}" type="presOf" srcId="{9A7D380C-670C-48C6-971D-007D5D3DD42E}" destId="{869750FB-9FA8-43FB-B0AF-15C9FF1B89FC}" srcOrd="1" destOrd="0" presId="urn:microsoft.com/office/officeart/2008/layout/HorizontalMultiLevelHierarchy"/>
-    <dgm:cxn modelId="{E67E1849-8D7C-4B3B-AB29-5B2EED3ECD26}" srcId="{B7F1BD51-D76F-4EC9-8774-008A79A18FCB}" destId="{0BB8C659-D374-4603-8DAE-A464A473CC46}" srcOrd="4" destOrd="0" parTransId="{431E69D2-3E8F-447F-951C-9FBC6539F934}" sibTransId="{649D1F1E-C975-4EF7-AEA3-8BB8932CCF1B}"/>
     <dgm:cxn modelId="{DF83A805-BA6D-48A5-A9DC-1E6BD1716741}" type="presOf" srcId="{A5CC5D35-5DD5-46A6-A90F-ACD633ED9128}" destId="{410AA857-C0B6-4666-AD67-1E407A56C2E2}" srcOrd="0" destOrd="0" presId="urn:microsoft.com/office/officeart/2008/layout/HorizontalMultiLevelHierarchy"/>
     <dgm:cxn modelId="{8C8F22E4-AA59-454C-9BA4-07C8C8A43AC5}" srcId="{A827F4EF-BD6C-4BE9-8D6D-DB73BE80A8D3}" destId="{B7F1BD51-D76F-4EC9-8774-008A79A18FCB}" srcOrd="2" destOrd="0" parTransId="{2F0D9B3A-3790-44DB-AB00-789A8AC9D6F7}" sibTransId="{FD3AC942-16FE-4713-B783-DC61C134C49C}"/>
     <dgm:cxn modelId="{B80E0DF8-CC1A-4B2F-9486-F083F49AA8A8}" type="presOf" srcId="{6BB09DEA-7D21-4D84-81BA-B8DD63C8A45E}" destId="{511800D7-4CF4-4687-88BD-3491ABACCCB5}" srcOrd="0" destOrd="0" presId="urn:microsoft.com/office/officeart/2008/layout/HorizontalMultiLevelHierarchy"/>
     <dgm:cxn modelId="{53EC0B54-529B-43A9-AE10-77E731E7B7D3}" type="presOf" srcId="{E3D526ED-AFF5-492F-862D-B89C4C0ABA12}" destId="{8751A30D-CB6E-4A1D-ABB9-1F206F272159}" srcOrd="1" destOrd="0" presId="urn:microsoft.com/office/officeart/2008/layout/HorizontalMultiLevelHierarchy"/>
     <dgm:cxn modelId="{2813A060-6E0E-44E9-BAB9-FC17D67B07F6}" type="presOf" srcId="{F098F2DE-E51C-42D1-B5BE-F8D52E8BA119}" destId="{189CC0DD-2611-4219-B3B9-A48F59259D9F}" srcOrd="0" destOrd="0" presId="urn:microsoft.com/office/officeart/2008/layout/HorizontalMultiLevelHierarchy"/>
+    <dgm:cxn modelId="{73788610-9B60-4983-8604-06E57740A050}" type="presOf" srcId="{9653317B-5E13-4D0D-A3F4-0B784B0AB0B3}" destId="{402984F4-87B0-499F-B786-F87E5FD93086}" srcOrd="1" destOrd="0" presId="urn:microsoft.com/office/officeart/2008/layout/HorizontalMultiLevelHierarchy"/>
     <dgm:cxn modelId="{4864B257-9ABB-43A3-9B2E-DEA0D3C6470B}" srcId="{24E27EC7-92B0-4CE6-B8D7-3DB318D077BA}" destId="{26F8EAA7-8A97-4168-9AC8-481D16C272F9}" srcOrd="1" destOrd="0" parTransId="{6E518202-013D-40D6-84E8-6614FFE34C4B}" sibTransId="{704B49C1-F7EB-4884-921A-A2029778E4BC}"/>
-    <dgm:cxn modelId="{73788610-9B60-4983-8604-06E57740A050}" type="presOf" srcId="{9653317B-5E13-4D0D-A3F4-0B784B0AB0B3}" destId="{402984F4-87B0-499F-B786-F87E5FD93086}" srcOrd="1" destOrd="0" presId="urn:microsoft.com/office/officeart/2008/layout/HorizontalMultiLevelHierarchy"/>
     <dgm:cxn modelId="{21275E9E-5B0A-4C40-B891-6E0319EB7075}" type="presOf" srcId="{9A7D380C-670C-48C6-971D-007D5D3DD42E}" destId="{F6CA0B86-9F02-4F91-9C18-E8A6366512CC}" srcOrd="0" destOrd="0" presId="urn:microsoft.com/office/officeart/2008/layout/HorizontalMultiLevelHierarchy"/>
     <dgm:cxn modelId="{7E2E6864-2813-4572-AC09-D556A123CC88}" type="presOf" srcId="{37192674-C6CF-4B51-9414-52619F48D1A7}" destId="{8334C992-E347-4CB1-8431-89D86E7A3B72}" srcOrd="0" destOrd="0" presId="urn:microsoft.com/office/officeart/2008/layout/HorizontalMultiLevelHierarchy"/>
     <dgm:cxn modelId="{F59B7ED8-6498-449B-A71C-3188F21F9805}" srcId="{6BB09DEA-7D21-4D84-81BA-B8DD63C8A45E}" destId="{AC91E726-E191-4296-ACA3-3AF2428BA69B}" srcOrd="0" destOrd="0" parTransId="{296AFADA-85CD-4182-B8AA-9582CC81A921}" sibTransId="{33FA1311-B155-4DDB-BF00-71991B2357E6}"/>
@@ -4887,7 +5128,7 @@
   <dgm:whole/>
   <dgm:extLst>
     <a:ext uri="http://schemas.microsoft.com/office/drawing/2008/diagram">
-      <dsp:dataModelExt xmlns:dsp="http://schemas.microsoft.com/office/drawing/2008/diagram" relId="rId6" minVer="http://schemas.openxmlformats.org/drawingml/2006/diagram"/>
+      <dsp:dataModelExt xmlns:dsp="http://schemas.microsoft.com/office/drawing/2008/diagram" relId="rId7" minVer="http://schemas.openxmlformats.org/drawingml/2006/diagram"/>
     </a:ext>
   </dgm:extLst>
 </dgm:dataModel>
@@ -5383,11 +5624,7 @@
           </a:pPr>
           <a:r>
             <a:rPr lang="en-US" sz="1800" kern="1200" dirty="0" smtClean="0"/>
-            <a:t>Adopt Single </a:t>
-          </a:r>
-          <a:r>
-            <a:rPr lang="en-US" sz="1800" kern="1200" dirty="0" smtClean="0"/>
-            <a:t>Standard</a:t>
+            <a:t>Adopt Single Standard</a:t>
           </a:r>
           <a:endParaRPr lang="en-US" sz="1800" kern="1200" dirty="0"/>
         </a:p>
@@ -5537,7 +5774,6 @@
             <a:rPr lang="en-US" sz="1800" kern="1200" dirty="0" smtClean="0"/>
             <a:t>Build Tools</a:t>
           </a:r>
-          <a:endParaRPr lang="en-US" sz="1800" kern="1200" dirty="0" smtClean="0"/>
         </a:p>
       </dsp:txBody>
       <dsp:txXfrm>
@@ -5620,7 +5856,6 @@
             <a:rPr lang="en-US" sz="1800" b="0" u="none" kern="1200" dirty="0" smtClean="0"/>
             <a:t>Supported Standards</a:t>
           </a:r>
-          <a:endParaRPr lang="en-US" sz="1800" b="0" u="none" kern="1200" dirty="0" smtClean="0"/>
         </a:p>
       </dsp:txBody>
       <dsp:txXfrm>
@@ -7910,11 +8145,6 @@
             </a:rPr>
             <a:t>...</a:t>
           </a:r>
-          <a:endParaRPr lang="en-US" sz="4000" b="1" kern="1200" dirty="0" smtClean="0">
-            <a:latin typeface="Arial Rounded MT Bold" panose="020F0704030504030204" pitchFamily="34" charset="0"/>
-            <a:ea typeface="Verdana" panose="020B0604030504040204" pitchFamily="34" charset="0"/>
-            <a:cs typeface="Verdana" panose="020B0604030504040204" pitchFamily="34" charset="0"/>
-          </a:endParaRPr>
         </a:p>
       </dsp:txBody>
       <dsp:txXfrm>
@@ -12293,7 +12523,7 @@
           <a:p>
             <a:fld id="{8569B522-8390-453B-A8F0-3C96BAC841F8}" type="datetimeFigureOut">
               <a:rPr lang="en-US" smtClean="0"/>
-              <a:t>5/7/2015</a:t>
+              <a:t>5/10/2015</a:t>
             </a:fld>
             <a:endParaRPr lang="en-US" dirty="0"/>
           </a:p>
@@ -12621,13 +12851,21 @@
           </a:bodyPr>
           <a:lstStyle/>
           <a:p>
-            <a:pPr marL="285750" indent="-285750">
+            <a:pPr marL="0" indent="0">
               <a:spcBef>
                 <a:spcPct val="0"/>
               </a:spcBef>
               <a:buFont typeface="Wingdings"/>
-              <a:buChar char="Ø"/>
+              <a:buNone/>
             </a:pPr>
+            <a:r>
+              <a:rPr lang="en-US" sz="1600" dirty="0" smtClean="0"/>
+              <a:t>This</a:t>
+            </a:r>
+            <a:r>
+              <a:rPr lang="en-US" sz="1600" baseline="0" dirty="0" smtClean="0"/>
+              <a:t> presentation is about the team’s development philosophy and design process.</a:t>
+            </a:r>
             <a:endParaRPr lang="en-US" sz="1600" dirty="0" smtClean="0"/>
           </a:p>
         </p:txBody>
@@ -12676,6 +12914,407 @@
         </p:txBody>
       </p:sp>
     </p:spTree>
+  </p:cSld>
+  <p:clrMapOvr>
+    <a:masterClrMapping/>
+  </p:clrMapOvr>
+</p:notes>
+</file>
+
+<file path=ppt/notesSlides/notesSlide10.xml><?xml version="1.0" encoding="utf-8"?>
+<p:notes xmlns:a="http://schemas.openxmlformats.org/drawingml/2006/main" xmlns:r="http://schemas.openxmlformats.org/officeDocument/2006/relationships" xmlns:p="http://schemas.openxmlformats.org/presentationml/2006/main">
+  <p:cSld>
+    <p:spTree>
+      <p:nvGrpSpPr>
+        <p:cNvPr id="1" name=""/>
+        <p:cNvGrpSpPr/>
+        <p:nvPr/>
+      </p:nvGrpSpPr>
+      <p:grpSpPr>
+        <a:xfrm>
+          <a:off x="0" y="0"/>
+          <a:ext cx="0" cy="0"/>
+          <a:chOff x="0" y="0"/>
+          <a:chExt cx="0" cy="0"/>
+        </a:xfrm>
+      </p:grpSpPr>
+      <p:sp>
+        <p:nvSpPr>
+          <p:cNvPr id="2" name="Slide Image Placeholder 1"/>
+          <p:cNvSpPr>
+            <a:spLocks noGrp="1" noRot="1" noChangeAspect="1"/>
+          </p:cNvSpPr>
+          <p:nvPr>
+            <p:ph type="sldImg"/>
+          </p:nvPr>
+        </p:nvSpPr>
+        <p:spPr/>
+      </p:sp>
+      <p:sp>
+        <p:nvSpPr>
+          <p:cNvPr id="3" name="Notes Placeholder 2"/>
+          <p:cNvSpPr>
+            <a:spLocks noGrp="1"/>
+          </p:cNvSpPr>
+          <p:nvPr>
+            <p:ph type="body" idx="1"/>
+          </p:nvPr>
+        </p:nvSpPr>
+        <p:spPr/>
+        <p:txBody>
+          <a:bodyPr/>
+          <a:lstStyle/>
+          <a:p>
+            <a:r>
+              <a:rPr lang="en-US" dirty="0" smtClean="0"/>
+              <a:t>KISS</a:t>
+            </a:r>
+            <a:r>
+              <a:rPr lang="en-US" baseline="0" dirty="0" smtClean="0"/>
+              <a:t> philosophy applies.</a:t>
+            </a:r>
+            <a:endParaRPr lang="en-US" dirty="0"/>
+          </a:p>
+        </p:txBody>
+      </p:sp>
+      <p:sp>
+        <p:nvSpPr>
+          <p:cNvPr id="4" name="Slide Number Placeholder 3"/>
+          <p:cNvSpPr>
+            <a:spLocks noGrp="1"/>
+          </p:cNvSpPr>
+          <p:nvPr>
+            <p:ph type="sldNum" sz="quarter" idx="10"/>
+          </p:nvPr>
+        </p:nvSpPr>
+        <p:spPr/>
+        <p:txBody>
+          <a:bodyPr/>
+          <a:lstStyle/>
+          <a:p>
+            <a:fld id="{86E298D3-FAEC-4429-BBB2-6E24FE792F56}" type="slidenum">
+              <a:rPr lang="en-US" smtClean="0"/>
+              <a:t>10</a:t>
+            </a:fld>
+            <a:endParaRPr lang="en-US" dirty="0"/>
+          </a:p>
+        </p:txBody>
+      </p:sp>
+    </p:spTree>
+    <p:extLst>
+      <p:ext uri="{BB962C8B-B14F-4D97-AF65-F5344CB8AC3E}">
+        <p14:creationId xmlns:p14="http://schemas.microsoft.com/office/powerpoint/2010/main" val="2615205344"/>
+      </p:ext>
+    </p:extLst>
+  </p:cSld>
+  <p:clrMapOvr>
+    <a:masterClrMapping/>
+  </p:clrMapOvr>
+</p:notes>
+</file>
+
+<file path=ppt/notesSlides/notesSlide11.xml><?xml version="1.0" encoding="utf-8"?>
+<p:notes xmlns:a="http://schemas.openxmlformats.org/drawingml/2006/main" xmlns:r="http://schemas.openxmlformats.org/officeDocument/2006/relationships" xmlns:p="http://schemas.openxmlformats.org/presentationml/2006/main">
+  <p:cSld>
+    <p:spTree>
+      <p:nvGrpSpPr>
+        <p:cNvPr id="1" name=""/>
+        <p:cNvGrpSpPr/>
+        <p:nvPr/>
+      </p:nvGrpSpPr>
+      <p:grpSpPr>
+        <a:xfrm>
+          <a:off x="0" y="0"/>
+          <a:ext cx="0" cy="0"/>
+          <a:chOff x="0" y="0"/>
+          <a:chExt cx="0" cy="0"/>
+        </a:xfrm>
+      </p:grpSpPr>
+      <p:sp>
+        <p:nvSpPr>
+          <p:cNvPr id="2" name="Slide Image Placeholder 1"/>
+          <p:cNvSpPr>
+            <a:spLocks noGrp="1" noRot="1" noChangeAspect="1"/>
+          </p:cNvSpPr>
+          <p:nvPr>
+            <p:ph type="sldImg"/>
+          </p:nvPr>
+        </p:nvSpPr>
+        <p:spPr/>
+      </p:sp>
+      <p:sp>
+        <p:nvSpPr>
+          <p:cNvPr id="3" name="Notes Placeholder 2"/>
+          <p:cNvSpPr>
+            <a:spLocks noGrp="1"/>
+          </p:cNvSpPr>
+          <p:nvPr>
+            <p:ph type="body" idx="1"/>
+          </p:nvPr>
+        </p:nvSpPr>
+        <p:spPr/>
+        <p:txBody>
+          <a:bodyPr/>
+          <a:lstStyle/>
+          <a:p>
+            <a:r>
+              <a:rPr lang="en-US" dirty="0" smtClean="0"/>
+              <a:t>The</a:t>
+            </a:r>
+            <a:r>
+              <a:rPr lang="en-US" baseline="0" dirty="0" smtClean="0"/>
+              <a:t> developing standard was named </a:t>
+            </a:r>
+            <a:r>
+              <a:rPr lang="en-US" baseline="0" dirty="0" err="1" smtClean="0"/>
+              <a:t>mdJSON</a:t>
+            </a:r>
+            <a:r>
+              <a:rPr lang="en-US" baseline="0" dirty="0" smtClean="0"/>
+              <a:t>(metadata JSON).</a:t>
+            </a:r>
+          </a:p>
+          <a:p>
+            <a:r>
+              <a:rPr lang="en-US" baseline="0" dirty="0" smtClean="0"/>
+              <a:t>While some naming conventions and structures were inherited, </a:t>
+            </a:r>
+            <a:r>
+              <a:rPr lang="en-US" baseline="0" dirty="0" err="1" smtClean="0"/>
+              <a:t>mdJSON</a:t>
+            </a:r>
+            <a:r>
+              <a:rPr lang="en-US" baseline="0" dirty="0" smtClean="0"/>
+              <a:t> freely deviates from ISO in the interest of clarity and efficiency.</a:t>
+            </a:r>
+          </a:p>
+          <a:p>
+            <a:r>
+              <a:rPr lang="en-US" baseline="0" dirty="0" smtClean="0"/>
+              <a:t>Mapped to FGDC to ensure similar compatibility.</a:t>
+            </a:r>
+            <a:endParaRPr lang="en-US" dirty="0"/>
+          </a:p>
+        </p:txBody>
+      </p:sp>
+      <p:sp>
+        <p:nvSpPr>
+          <p:cNvPr id="4" name="Slide Number Placeholder 3"/>
+          <p:cNvSpPr>
+            <a:spLocks noGrp="1"/>
+          </p:cNvSpPr>
+          <p:nvPr>
+            <p:ph type="sldNum" sz="quarter" idx="10"/>
+          </p:nvPr>
+        </p:nvSpPr>
+        <p:spPr/>
+        <p:txBody>
+          <a:bodyPr/>
+          <a:lstStyle/>
+          <a:p>
+            <a:fld id="{86E298D3-FAEC-4429-BBB2-6E24FE792F56}" type="slidenum">
+              <a:rPr lang="en-US" smtClean="0"/>
+              <a:t>12</a:t>
+            </a:fld>
+            <a:endParaRPr lang="en-US" dirty="0"/>
+          </a:p>
+        </p:txBody>
+      </p:sp>
+    </p:spTree>
+    <p:extLst>
+      <p:ext uri="{BB962C8B-B14F-4D97-AF65-F5344CB8AC3E}">
+        <p14:creationId xmlns:p14="http://schemas.microsoft.com/office/powerpoint/2010/main" val="103580200"/>
+      </p:ext>
+    </p:extLst>
+  </p:cSld>
+  <p:clrMapOvr>
+    <a:masterClrMapping/>
+  </p:clrMapOvr>
+</p:notes>
+</file>
+
+<file path=ppt/notesSlides/notesSlide12.xml><?xml version="1.0" encoding="utf-8"?>
+<p:notes xmlns:a="http://schemas.openxmlformats.org/drawingml/2006/main" xmlns:r="http://schemas.openxmlformats.org/officeDocument/2006/relationships" xmlns:p="http://schemas.openxmlformats.org/presentationml/2006/main">
+  <p:cSld>
+    <p:spTree>
+      <p:nvGrpSpPr>
+        <p:cNvPr id="1" name=""/>
+        <p:cNvGrpSpPr/>
+        <p:nvPr/>
+      </p:nvGrpSpPr>
+      <p:grpSpPr>
+        <a:xfrm>
+          <a:off x="0" y="0"/>
+          <a:ext cx="0" cy="0"/>
+          <a:chOff x="0" y="0"/>
+          <a:chExt cx="0" cy="0"/>
+        </a:xfrm>
+      </p:grpSpPr>
+      <p:sp>
+        <p:nvSpPr>
+          <p:cNvPr id="2" name="Slide Image Placeholder 1"/>
+          <p:cNvSpPr>
+            <a:spLocks noGrp="1" noRot="1" noChangeAspect="1"/>
+          </p:cNvSpPr>
+          <p:nvPr>
+            <p:ph type="sldImg"/>
+          </p:nvPr>
+        </p:nvSpPr>
+        <p:spPr/>
+      </p:sp>
+      <p:sp>
+        <p:nvSpPr>
+          <p:cNvPr id="3" name="Notes Placeholder 2"/>
+          <p:cNvSpPr>
+            <a:spLocks noGrp="1"/>
+          </p:cNvSpPr>
+          <p:nvPr>
+            <p:ph type="body" idx="1"/>
+          </p:nvPr>
+        </p:nvSpPr>
+        <p:spPr/>
+        <p:txBody>
+          <a:bodyPr/>
+          <a:lstStyle/>
+          <a:p>
+            <a:r>
+              <a:rPr lang="en-US" dirty="0" smtClean="0"/>
+              <a:t>High-level overview of </a:t>
+            </a:r>
+            <a:r>
+              <a:rPr lang="en-US" dirty="0" err="1" smtClean="0"/>
+              <a:t>mdJSON</a:t>
+            </a:r>
+            <a:r>
+              <a:rPr lang="en-US" baseline="0" dirty="0" smtClean="0"/>
+              <a:t> hierarchical structure.</a:t>
+            </a:r>
+            <a:endParaRPr lang="en-US" dirty="0"/>
+          </a:p>
+        </p:txBody>
+      </p:sp>
+      <p:sp>
+        <p:nvSpPr>
+          <p:cNvPr id="4" name="Slide Number Placeholder 3"/>
+          <p:cNvSpPr>
+            <a:spLocks noGrp="1"/>
+          </p:cNvSpPr>
+          <p:nvPr>
+            <p:ph type="sldNum" sz="quarter" idx="10"/>
+          </p:nvPr>
+        </p:nvSpPr>
+        <p:spPr/>
+        <p:txBody>
+          <a:bodyPr/>
+          <a:lstStyle/>
+          <a:p>
+            <a:fld id="{86E298D3-FAEC-4429-BBB2-6E24FE792F56}" type="slidenum">
+              <a:rPr lang="en-US" smtClean="0"/>
+              <a:t>13</a:t>
+            </a:fld>
+            <a:endParaRPr lang="en-US" dirty="0"/>
+          </a:p>
+        </p:txBody>
+      </p:sp>
+    </p:spTree>
+    <p:extLst>
+      <p:ext uri="{BB962C8B-B14F-4D97-AF65-F5344CB8AC3E}">
+        <p14:creationId xmlns:p14="http://schemas.microsoft.com/office/powerpoint/2010/main" val="2732521310"/>
+      </p:ext>
+    </p:extLst>
+  </p:cSld>
+  <p:clrMapOvr>
+    <a:masterClrMapping/>
+  </p:clrMapOvr>
+</p:notes>
+</file>
+
+<file path=ppt/notesSlides/notesSlide13.xml><?xml version="1.0" encoding="utf-8"?>
+<p:notes xmlns:a="http://schemas.openxmlformats.org/drawingml/2006/main" xmlns:r="http://schemas.openxmlformats.org/officeDocument/2006/relationships" xmlns:p="http://schemas.openxmlformats.org/presentationml/2006/main">
+  <p:cSld>
+    <p:spTree>
+      <p:nvGrpSpPr>
+        <p:cNvPr id="1" name=""/>
+        <p:cNvGrpSpPr/>
+        <p:nvPr/>
+      </p:nvGrpSpPr>
+      <p:grpSpPr>
+        <a:xfrm>
+          <a:off x="0" y="0"/>
+          <a:ext cx="0" cy="0"/>
+          <a:chOff x="0" y="0"/>
+          <a:chExt cx="0" cy="0"/>
+        </a:xfrm>
+      </p:grpSpPr>
+      <p:sp>
+        <p:nvSpPr>
+          <p:cNvPr id="2" name="Slide Image Placeholder 1"/>
+          <p:cNvSpPr>
+            <a:spLocks noGrp="1" noRot="1" noChangeAspect="1"/>
+          </p:cNvSpPr>
+          <p:nvPr>
+            <p:ph type="sldImg"/>
+          </p:nvPr>
+        </p:nvSpPr>
+        <p:spPr/>
+      </p:sp>
+      <p:sp>
+        <p:nvSpPr>
+          <p:cNvPr id="3" name="Notes Placeholder 2"/>
+          <p:cNvSpPr>
+            <a:spLocks noGrp="1"/>
+          </p:cNvSpPr>
+          <p:nvPr>
+            <p:ph type="body" idx="1"/>
+          </p:nvPr>
+        </p:nvSpPr>
+        <p:spPr/>
+        <p:txBody>
+          <a:bodyPr/>
+          <a:lstStyle/>
+          <a:p>
+            <a:r>
+              <a:rPr lang="en-US" dirty="0" smtClean="0"/>
+              <a:t>Tools needed to be developed to support the standard.</a:t>
+            </a:r>
+          </a:p>
+          <a:p>
+            <a:r>
+              <a:rPr lang="en-US" baseline="0" dirty="0" smtClean="0"/>
+              <a:t>Tools assist with both education and development, making adoption easier.</a:t>
+            </a:r>
+          </a:p>
+        </p:txBody>
+      </p:sp>
+      <p:sp>
+        <p:nvSpPr>
+          <p:cNvPr id="4" name="Slide Number Placeholder 3"/>
+          <p:cNvSpPr>
+            <a:spLocks noGrp="1"/>
+          </p:cNvSpPr>
+          <p:nvPr>
+            <p:ph type="sldNum" sz="quarter" idx="10"/>
+          </p:nvPr>
+        </p:nvSpPr>
+        <p:spPr/>
+        <p:txBody>
+          <a:bodyPr/>
+          <a:lstStyle/>
+          <a:p>
+            <a:fld id="{86E298D3-FAEC-4429-BBB2-6E24FE792F56}" type="slidenum">
+              <a:rPr lang="en-US" smtClean="0"/>
+              <a:t>14</a:t>
+            </a:fld>
+            <a:endParaRPr lang="en-US" dirty="0"/>
+          </a:p>
+        </p:txBody>
+      </p:sp>
+    </p:spTree>
+    <p:extLst>
+      <p:ext uri="{BB962C8B-B14F-4D97-AF65-F5344CB8AC3E}">
+        <p14:creationId xmlns:p14="http://schemas.microsoft.com/office/powerpoint/2010/main" val="1691725788"/>
+      </p:ext>
+    </p:extLst>
   </p:cSld>
   <p:clrMapOvr>
     <a:masterClrMapping/>
@@ -12731,6 +13370,10 @@
               <a:buFont typeface="Wingdings" panose="05000000000000000000" pitchFamily="2" charset="2"/>
               <a:buNone/>
             </a:pPr>
+            <a:r>
+              <a:rPr lang="en-US" sz="1600" baseline="0" dirty="0" smtClean="0"/>
+              <a:t>Primary focus is on top three bullets</a:t>
+            </a:r>
             <a:endParaRPr lang="en-US" sz="1600" dirty="0"/>
           </a:p>
         </p:txBody>
@@ -12826,15 +13469,29 @@
           <a:p>
             <a:r>
               <a:rPr lang="en-US" dirty="0" smtClean="0"/>
-              <a:t>ISO/TC 211  - Geographic information/</a:t>
-            </a:r>
-            <a:r>
-              <a:rPr lang="en-US" dirty="0" err="1" smtClean="0"/>
-              <a:t>Geomatics</a:t>
-            </a:r>
-            <a:r>
-              <a:rPr lang="en-US" dirty="0" smtClean="0"/>
-              <a:t>: http://www.iso.org/iso/home/store/catalogue_tc/catalogue_tc_browse.htm?commid=54904</a:t>
+              <a:t>This is the approach we started from</a:t>
+            </a:r>
+            <a:r>
+              <a:rPr lang="en-US" baseline="0" dirty="0" smtClean="0"/>
+              <a:t>.</a:t>
+            </a:r>
+          </a:p>
+          <a:p>
+            <a:r>
+              <a:rPr lang="en-US" baseline="0" dirty="0" smtClean="0"/>
+              <a:t>Examples of tool are databases, editors, web applications.</a:t>
+            </a:r>
+          </a:p>
+          <a:p>
+            <a:r>
+              <a:rPr lang="en-US" baseline="0" dirty="0" smtClean="0"/>
+              <a:t>Typically, this process results in tools and workflows that support a single primary standard or format.</a:t>
+            </a:r>
+          </a:p>
+          <a:p>
+            <a:r>
+              <a:rPr lang="en-US" baseline="0" dirty="0" smtClean="0"/>
+              <a:t>Secondary standards typically don’t get first class treatment.</a:t>
             </a:r>
             <a:endParaRPr lang="en-US" dirty="0"/>
           </a:p>
@@ -12857,6 +13514,123 @@
           <a:p>
             <a:fld id="{86E298D3-FAEC-4429-BBB2-6E24FE792F56}" type="slidenum">
               <a:rPr lang="en-US" smtClean="0"/>
+              <a:t>3</a:t>
+            </a:fld>
+            <a:endParaRPr lang="en-US" dirty="0"/>
+          </a:p>
+        </p:txBody>
+      </p:sp>
+    </p:spTree>
+    <p:extLst>
+      <p:ext uri="{BB962C8B-B14F-4D97-AF65-F5344CB8AC3E}">
+        <p14:creationId xmlns:p14="http://schemas.microsoft.com/office/powerpoint/2010/main" val="2525589414"/>
+      </p:ext>
+    </p:extLst>
+  </p:cSld>
+  <p:clrMapOvr>
+    <a:masterClrMapping/>
+  </p:clrMapOvr>
+</p:notes>
+</file>
+
+<file path=ppt/notesSlides/notesSlide4.xml><?xml version="1.0" encoding="utf-8"?>
+<p:notes xmlns:a="http://schemas.openxmlformats.org/drawingml/2006/main" xmlns:r="http://schemas.openxmlformats.org/officeDocument/2006/relationships" xmlns:p="http://schemas.openxmlformats.org/presentationml/2006/main">
+  <p:cSld>
+    <p:spTree>
+      <p:nvGrpSpPr>
+        <p:cNvPr id="1" name=""/>
+        <p:cNvGrpSpPr/>
+        <p:nvPr/>
+      </p:nvGrpSpPr>
+      <p:grpSpPr>
+        <a:xfrm>
+          <a:off x="0" y="0"/>
+          <a:ext cx="0" cy="0"/>
+          <a:chOff x="0" y="0"/>
+          <a:chExt cx="0" cy="0"/>
+        </a:xfrm>
+      </p:grpSpPr>
+      <p:sp>
+        <p:nvSpPr>
+          <p:cNvPr id="2" name="Slide Image Placeholder 1"/>
+          <p:cNvSpPr>
+            <a:spLocks noGrp="1" noRot="1" noChangeAspect="1"/>
+          </p:cNvSpPr>
+          <p:nvPr>
+            <p:ph type="sldImg"/>
+          </p:nvPr>
+        </p:nvSpPr>
+        <p:spPr/>
+      </p:sp>
+      <p:sp>
+        <p:nvSpPr>
+          <p:cNvPr id="3" name="Notes Placeholder 2"/>
+          <p:cNvSpPr>
+            <a:spLocks noGrp="1"/>
+          </p:cNvSpPr>
+          <p:nvPr>
+            <p:ph type="body" idx="1"/>
+          </p:nvPr>
+        </p:nvSpPr>
+        <p:spPr/>
+        <p:txBody>
+          <a:bodyPr/>
+          <a:lstStyle/>
+          <a:p>
+            <a:r>
+              <a:rPr lang="en-US" dirty="0" smtClean="0"/>
+              <a:t>First step is choosing a “standard”</a:t>
+            </a:r>
+          </a:p>
+          <a:p>
+            <a:r>
+              <a:rPr lang="en-US" dirty="0" smtClean="0"/>
+              <a:t>ISO 19115 can be written</a:t>
+            </a:r>
+            <a:r>
+              <a:rPr lang="en-US" baseline="0" dirty="0" smtClean="0"/>
+              <a:t> many ways with varying degrees of support for the full standard, hence “profiles”.</a:t>
+            </a:r>
+            <a:endParaRPr lang="en-US" dirty="0" smtClean="0"/>
+          </a:p>
+          <a:p>
+            <a:r>
+              <a:rPr lang="en-US" dirty="0" smtClean="0"/>
+              <a:t>ISO/TC </a:t>
+            </a:r>
+            <a:r>
+              <a:rPr lang="en-US" dirty="0" smtClean="0"/>
+              <a:t>211  - Geographic information/</a:t>
+            </a:r>
+            <a:r>
+              <a:rPr lang="en-US" dirty="0" err="1" smtClean="0"/>
+              <a:t>Geomatics</a:t>
+            </a:r>
+            <a:r>
+              <a:rPr lang="en-US" dirty="0" smtClean="0"/>
+              <a:t>: http://www.iso.org/iso/home/store/catalogue_tc/catalogue_tc_browse.htm?commid=54904</a:t>
+            </a:r>
+            <a:endParaRPr lang="en-US" dirty="0"/>
+          </a:p>
+        </p:txBody>
+      </p:sp>
+      <p:sp>
+        <p:nvSpPr>
+          <p:cNvPr id="4" name="Slide Number Placeholder 3"/>
+          <p:cNvSpPr>
+            <a:spLocks noGrp="1"/>
+          </p:cNvSpPr>
+          <p:nvPr>
+            <p:ph type="sldNum" sz="quarter" idx="10"/>
+          </p:nvPr>
+        </p:nvSpPr>
+        <p:spPr/>
+        <p:txBody>
+          <a:bodyPr/>
+          <a:lstStyle/>
+          <a:p>
+            <a:fld id="{86E298D3-FAEC-4429-BBB2-6E24FE792F56}" type="slidenum">
+              <a:rPr lang="en-US" smtClean="0"/>
               <a:t>4</a:t>
             </a:fld>
             <a:endParaRPr lang="en-US" dirty="0"/>
@@ -12867,6 +13641,551 @@
     <p:extLst>
       <p:ext uri="{BB962C8B-B14F-4D97-AF65-F5344CB8AC3E}">
         <p14:creationId xmlns:p14="http://schemas.microsoft.com/office/powerpoint/2010/main" val="832059687"/>
+      </p:ext>
+    </p:extLst>
+  </p:cSld>
+  <p:clrMapOvr>
+    <a:masterClrMapping/>
+  </p:clrMapOvr>
+</p:notes>
+</file>
+
+<file path=ppt/notesSlides/notesSlide5.xml><?xml version="1.0" encoding="utf-8"?>
+<p:notes xmlns:a="http://schemas.openxmlformats.org/drawingml/2006/main" xmlns:r="http://schemas.openxmlformats.org/officeDocument/2006/relationships" xmlns:p="http://schemas.openxmlformats.org/presentationml/2006/main">
+  <p:cSld>
+    <p:spTree>
+      <p:nvGrpSpPr>
+        <p:cNvPr id="1" name=""/>
+        <p:cNvGrpSpPr/>
+        <p:nvPr/>
+      </p:nvGrpSpPr>
+      <p:grpSpPr>
+        <a:xfrm>
+          <a:off x="0" y="0"/>
+          <a:ext cx="0" cy="0"/>
+          <a:chOff x="0" y="0"/>
+          <a:chExt cx="0" cy="0"/>
+        </a:xfrm>
+      </p:grpSpPr>
+      <p:sp>
+        <p:nvSpPr>
+          <p:cNvPr id="2" name="Slide Image Placeholder 1"/>
+          <p:cNvSpPr>
+            <a:spLocks noGrp="1" noRot="1" noChangeAspect="1"/>
+          </p:cNvSpPr>
+          <p:nvPr>
+            <p:ph type="sldImg"/>
+          </p:nvPr>
+        </p:nvSpPr>
+        <p:spPr/>
+      </p:sp>
+      <p:sp>
+        <p:nvSpPr>
+          <p:cNvPr id="3" name="Notes Placeholder 2"/>
+          <p:cNvSpPr>
+            <a:spLocks noGrp="1"/>
+          </p:cNvSpPr>
+          <p:nvPr>
+            <p:ph type="body" idx="1"/>
+          </p:nvPr>
+        </p:nvSpPr>
+        <p:spPr/>
+        <p:txBody>
+          <a:bodyPr/>
+          <a:lstStyle/>
+          <a:p>
+            <a:r>
+              <a:rPr lang="en-US" dirty="0" smtClean="0"/>
+              <a:t>ISO standards must be purchased,</a:t>
+            </a:r>
+            <a:r>
+              <a:rPr lang="en-US" baseline="0" dirty="0" smtClean="0"/>
+              <a:t> NOAA produces the XSDs.</a:t>
+            </a:r>
+          </a:p>
+          <a:p>
+            <a:r>
+              <a:rPr lang="en-US" baseline="0" dirty="0" smtClean="0"/>
+              <a:t>To really work efficiently with XSDs,</a:t>
+            </a:r>
+            <a:r>
+              <a:rPr lang="en-US" baseline="0" dirty="0" smtClean="0"/>
+              <a:t> proprietary software is needed.</a:t>
+            </a:r>
+            <a:endParaRPr lang="en-US" baseline="0" dirty="0" smtClean="0"/>
+          </a:p>
+          <a:p>
+            <a:r>
+              <a:rPr lang="en-US" baseline="0" dirty="0" err="1" smtClean="0"/>
+              <a:t>ADIwg</a:t>
+            </a:r>
+            <a:r>
+              <a:rPr lang="en-US" baseline="0" dirty="0" smtClean="0"/>
+              <a:t> decided to focus on 19115-2, with a plan to eventually support 19115-1.</a:t>
+            </a:r>
+            <a:endParaRPr lang="en-US" dirty="0" smtClean="0"/>
+          </a:p>
+          <a:p>
+            <a:r>
+              <a:rPr lang="en-US" dirty="0" err="1" smtClean="0"/>
+              <a:t>ADIwg</a:t>
+            </a:r>
+            <a:r>
+              <a:rPr lang="en-US" dirty="0" smtClean="0"/>
+              <a:t>(mostly Stan) spent several months reviewing</a:t>
+            </a:r>
+            <a:r>
+              <a:rPr lang="en-US" baseline="0" dirty="0" smtClean="0"/>
+              <a:t> the ISO standard(s).</a:t>
+            </a:r>
+          </a:p>
+          <a:p>
+            <a:r>
+              <a:rPr lang="en-US" baseline="0" dirty="0" smtClean="0"/>
+              <a:t>A class diagram and data dictionary were created.</a:t>
+            </a:r>
+          </a:p>
+        </p:txBody>
+      </p:sp>
+      <p:sp>
+        <p:nvSpPr>
+          <p:cNvPr id="4" name="Slide Number Placeholder 3"/>
+          <p:cNvSpPr>
+            <a:spLocks noGrp="1"/>
+          </p:cNvSpPr>
+          <p:nvPr>
+            <p:ph type="sldNum" sz="quarter" idx="10"/>
+          </p:nvPr>
+        </p:nvSpPr>
+        <p:spPr/>
+        <p:txBody>
+          <a:bodyPr/>
+          <a:lstStyle/>
+          <a:p>
+            <a:fld id="{86E298D3-FAEC-4429-BBB2-6E24FE792F56}" type="slidenum">
+              <a:rPr lang="en-US" smtClean="0"/>
+              <a:t>5</a:t>
+            </a:fld>
+            <a:endParaRPr lang="en-US" dirty="0"/>
+          </a:p>
+        </p:txBody>
+      </p:sp>
+    </p:spTree>
+    <p:extLst>
+      <p:ext uri="{BB962C8B-B14F-4D97-AF65-F5344CB8AC3E}">
+        <p14:creationId xmlns:p14="http://schemas.microsoft.com/office/powerpoint/2010/main" val="2847922750"/>
+      </p:ext>
+    </p:extLst>
+  </p:cSld>
+  <p:clrMapOvr>
+    <a:masterClrMapping/>
+  </p:clrMapOvr>
+</p:notes>
+</file>
+
+<file path=ppt/notesSlides/notesSlide6.xml><?xml version="1.0" encoding="utf-8"?>
+<p:notes xmlns:a="http://schemas.openxmlformats.org/drawingml/2006/main" xmlns:r="http://schemas.openxmlformats.org/officeDocument/2006/relationships" xmlns:p="http://schemas.openxmlformats.org/presentationml/2006/main">
+  <p:cSld>
+    <p:spTree>
+      <p:nvGrpSpPr>
+        <p:cNvPr id="1" name=""/>
+        <p:cNvGrpSpPr/>
+        <p:nvPr/>
+      </p:nvGrpSpPr>
+      <p:grpSpPr>
+        <a:xfrm>
+          <a:off x="0" y="0"/>
+          <a:ext cx="0" cy="0"/>
+          <a:chOff x="0" y="0"/>
+          <a:chExt cx="0" cy="0"/>
+        </a:xfrm>
+      </p:grpSpPr>
+      <p:sp>
+        <p:nvSpPr>
+          <p:cNvPr id="2" name="Slide Image Placeholder 1"/>
+          <p:cNvSpPr>
+            <a:spLocks noGrp="1" noRot="1" noChangeAspect="1"/>
+          </p:cNvSpPr>
+          <p:nvPr>
+            <p:ph type="sldImg"/>
+          </p:nvPr>
+        </p:nvSpPr>
+        <p:spPr/>
+      </p:sp>
+      <p:sp>
+        <p:nvSpPr>
+          <p:cNvPr id="3" name="Notes Placeholder 2"/>
+          <p:cNvSpPr>
+            <a:spLocks noGrp="1"/>
+          </p:cNvSpPr>
+          <p:nvPr>
+            <p:ph type="body" idx="1"/>
+          </p:nvPr>
+        </p:nvSpPr>
+        <p:spPr/>
+        <p:txBody>
+          <a:bodyPr/>
+          <a:lstStyle/>
+          <a:p>
+            <a:r>
+              <a:rPr lang="en-US" baseline="0" dirty="0" smtClean="0"/>
+              <a:t>Goal is to support a single standard that can be translated to other standards.</a:t>
+            </a:r>
+          </a:p>
+          <a:p>
+            <a:r>
+              <a:rPr lang="en-US" baseline="0" dirty="0" smtClean="0"/>
+              <a:t>Organizations may build or adopt internal tools to support the adopted standard, but translation tools are jointly developed.</a:t>
+            </a:r>
+          </a:p>
+        </p:txBody>
+      </p:sp>
+      <p:sp>
+        <p:nvSpPr>
+          <p:cNvPr id="4" name="Slide Number Placeholder 3"/>
+          <p:cNvSpPr>
+            <a:spLocks noGrp="1"/>
+          </p:cNvSpPr>
+          <p:nvPr>
+            <p:ph type="sldNum" sz="quarter" idx="10"/>
+          </p:nvPr>
+        </p:nvSpPr>
+        <p:spPr/>
+        <p:txBody>
+          <a:bodyPr/>
+          <a:lstStyle/>
+          <a:p>
+            <a:fld id="{86E298D3-FAEC-4429-BBB2-6E24FE792F56}" type="slidenum">
+              <a:rPr lang="en-US" smtClean="0"/>
+              <a:t>6</a:t>
+            </a:fld>
+            <a:endParaRPr lang="en-US" dirty="0"/>
+          </a:p>
+        </p:txBody>
+      </p:sp>
+    </p:spTree>
+    <p:extLst>
+      <p:ext uri="{BB962C8B-B14F-4D97-AF65-F5344CB8AC3E}">
+        <p14:creationId xmlns:p14="http://schemas.microsoft.com/office/powerpoint/2010/main" val="657936375"/>
+      </p:ext>
+    </p:extLst>
+  </p:cSld>
+  <p:clrMapOvr>
+    <a:masterClrMapping/>
+  </p:clrMapOvr>
+</p:notes>
+</file>
+
+<file path=ppt/notesSlides/notesSlide7.xml><?xml version="1.0" encoding="utf-8"?>
+<p:notes xmlns:a="http://schemas.openxmlformats.org/drawingml/2006/main" xmlns:r="http://schemas.openxmlformats.org/officeDocument/2006/relationships" xmlns:p="http://schemas.openxmlformats.org/presentationml/2006/main">
+  <p:cSld>
+    <p:spTree>
+      <p:nvGrpSpPr>
+        <p:cNvPr id="1" name=""/>
+        <p:cNvGrpSpPr/>
+        <p:nvPr/>
+      </p:nvGrpSpPr>
+      <p:grpSpPr>
+        <a:xfrm>
+          <a:off x="0" y="0"/>
+          <a:ext cx="0" cy="0"/>
+          <a:chOff x="0" y="0"/>
+          <a:chExt cx="0" cy="0"/>
+        </a:xfrm>
+      </p:grpSpPr>
+      <p:sp>
+        <p:nvSpPr>
+          <p:cNvPr id="2" name="Slide Image Placeholder 1"/>
+          <p:cNvSpPr>
+            <a:spLocks noGrp="1" noRot="1" noChangeAspect="1"/>
+          </p:cNvSpPr>
+          <p:nvPr>
+            <p:ph type="sldImg"/>
+          </p:nvPr>
+        </p:nvSpPr>
+        <p:spPr/>
+      </p:sp>
+      <p:sp>
+        <p:nvSpPr>
+          <p:cNvPr id="3" name="Notes Placeholder 2"/>
+          <p:cNvSpPr>
+            <a:spLocks noGrp="1"/>
+          </p:cNvSpPr>
+          <p:nvPr>
+            <p:ph type="body" idx="1"/>
+          </p:nvPr>
+        </p:nvSpPr>
+        <p:spPr/>
+        <p:txBody>
+          <a:bodyPr/>
+          <a:lstStyle/>
+          <a:p>
+            <a:pPr marL="0" marR="0" indent="0" algn="l" defTabSz="914400" rtl="0" eaLnBrk="1" fontAlgn="auto" latinLnBrk="0" hangingPunct="1">
+              <a:lnSpc>
+                <a:spcPct val="100000"/>
+              </a:lnSpc>
+              <a:spcBef>
+                <a:spcPts val="0"/>
+              </a:spcBef>
+              <a:spcAft>
+                <a:spcPts val="0"/>
+              </a:spcAft>
+              <a:buClrTx/>
+              <a:buSzTx/>
+              <a:buFontTx/>
+              <a:buNone/>
+              <a:tabLst/>
+              <a:defRPr/>
+            </a:pPr>
+            <a:r>
+              <a:rPr lang="en-US" baseline="0" dirty="0" smtClean="0"/>
+              <a:t>New standard allows efficient communication among supporting organizations, translation allows for communication with external entities.</a:t>
+            </a:r>
+            <a:endParaRPr lang="en-US" dirty="0" smtClean="0"/>
+          </a:p>
+        </p:txBody>
+      </p:sp>
+      <p:sp>
+        <p:nvSpPr>
+          <p:cNvPr id="4" name="Slide Number Placeholder 3"/>
+          <p:cNvSpPr>
+            <a:spLocks noGrp="1"/>
+          </p:cNvSpPr>
+          <p:nvPr>
+            <p:ph type="sldNum" sz="quarter" idx="10"/>
+          </p:nvPr>
+        </p:nvSpPr>
+        <p:spPr/>
+        <p:txBody>
+          <a:bodyPr/>
+          <a:lstStyle/>
+          <a:p>
+            <a:fld id="{86E298D3-FAEC-4429-BBB2-6E24FE792F56}" type="slidenum">
+              <a:rPr lang="en-US" smtClean="0"/>
+              <a:t>7</a:t>
+            </a:fld>
+            <a:endParaRPr lang="en-US" dirty="0"/>
+          </a:p>
+        </p:txBody>
+      </p:sp>
+    </p:spTree>
+    <p:extLst>
+      <p:ext uri="{BB962C8B-B14F-4D97-AF65-F5344CB8AC3E}">
+        <p14:creationId xmlns:p14="http://schemas.microsoft.com/office/powerpoint/2010/main" val="1935489099"/>
+      </p:ext>
+    </p:extLst>
+  </p:cSld>
+  <p:clrMapOvr>
+    <a:masterClrMapping/>
+  </p:clrMapOvr>
+</p:notes>
+</file>
+
+<file path=ppt/notesSlides/notesSlide8.xml><?xml version="1.0" encoding="utf-8"?>
+<p:notes xmlns:a="http://schemas.openxmlformats.org/drawingml/2006/main" xmlns:r="http://schemas.openxmlformats.org/officeDocument/2006/relationships" xmlns:p="http://schemas.openxmlformats.org/presentationml/2006/main">
+  <p:cSld>
+    <p:spTree>
+      <p:nvGrpSpPr>
+        <p:cNvPr id="1" name=""/>
+        <p:cNvGrpSpPr/>
+        <p:nvPr/>
+      </p:nvGrpSpPr>
+      <p:grpSpPr>
+        <a:xfrm>
+          <a:off x="0" y="0"/>
+          <a:ext cx="0" cy="0"/>
+          <a:chOff x="0" y="0"/>
+          <a:chExt cx="0" cy="0"/>
+        </a:xfrm>
+      </p:grpSpPr>
+      <p:sp>
+        <p:nvSpPr>
+          <p:cNvPr id="2" name="Slide Image Placeholder 1"/>
+          <p:cNvSpPr>
+            <a:spLocks noGrp="1" noRot="1" noChangeAspect="1"/>
+          </p:cNvSpPr>
+          <p:nvPr>
+            <p:ph type="sldImg"/>
+          </p:nvPr>
+        </p:nvSpPr>
+        <p:spPr/>
+      </p:sp>
+      <p:sp>
+        <p:nvSpPr>
+          <p:cNvPr id="3" name="Notes Placeholder 2"/>
+          <p:cNvSpPr>
+            <a:spLocks noGrp="1"/>
+          </p:cNvSpPr>
+          <p:nvPr>
+            <p:ph type="body" idx="1"/>
+          </p:nvPr>
+        </p:nvSpPr>
+        <p:spPr/>
+        <p:txBody>
+          <a:bodyPr/>
+          <a:lstStyle/>
+          <a:p>
+            <a:r>
+              <a:rPr lang="en-US" dirty="0" smtClean="0"/>
+              <a:t>Needed to pick a</a:t>
+            </a:r>
+            <a:r>
+              <a:rPr lang="en-US" baseline="0" dirty="0" smtClean="0"/>
+              <a:t> format to encode the metadata.</a:t>
+            </a:r>
+          </a:p>
+          <a:p>
+            <a:r>
+              <a:rPr lang="en-US" dirty="0" smtClean="0"/>
+              <a:t>Looked at multiple options: XML,</a:t>
+            </a:r>
+            <a:r>
+              <a:rPr lang="en-US" baseline="0" dirty="0" smtClean="0"/>
+              <a:t> JSON, </a:t>
+            </a:r>
+            <a:r>
+              <a:rPr lang="en-US" baseline="0" dirty="0" err="1" smtClean="0"/>
+              <a:t>yaml</a:t>
+            </a:r>
+            <a:r>
+              <a:rPr lang="en-US" baseline="0" dirty="0" smtClean="0"/>
+              <a:t>. </a:t>
+            </a:r>
+          </a:p>
+          <a:p>
+            <a:r>
+              <a:rPr lang="en-US" baseline="0" dirty="0" smtClean="0"/>
+              <a:t>JSON was the winner.</a:t>
+            </a:r>
+            <a:endParaRPr lang="en-US" dirty="0"/>
+          </a:p>
+        </p:txBody>
+      </p:sp>
+      <p:sp>
+        <p:nvSpPr>
+          <p:cNvPr id="4" name="Slide Number Placeholder 3"/>
+          <p:cNvSpPr>
+            <a:spLocks noGrp="1"/>
+          </p:cNvSpPr>
+          <p:nvPr>
+            <p:ph type="sldNum" sz="quarter" idx="10"/>
+          </p:nvPr>
+        </p:nvSpPr>
+        <p:spPr/>
+        <p:txBody>
+          <a:bodyPr/>
+          <a:lstStyle/>
+          <a:p>
+            <a:fld id="{86E298D3-FAEC-4429-BBB2-6E24FE792F56}" type="slidenum">
+              <a:rPr lang="en-US" smtClean="0"/>
+              <a:t>8</a:t>
+            </a:fld>
+            <a:endParaRPr lang="en-US" dirty="0"/>
+          </a:p>
+        </p:txBody>
+      </p:sp>
+    </p:spTree>
+    <p:extLst>
+      <p:ext uri="{BB962C8B-B14F-4D97-AF65-F5344CB8AC3E}">
+        <p14:creationId xmlns:p14="http://schemas.microsoft.com/office/powerpoint/2010/main" val="1126294152"/>
+      </p:ext>
+    </p:extLst>
+  </p:cSld>
+  <p:clrMapOvr>
+    <a:masterClrMapping/>
+  </p:clrMapOvr>
+</p:notes>
+</file>
+
+<file path=ppt/notesSlides/notesSlide9.xml><?xml version="1.0" encoding="utf-8"?>
+<p:notes xmlns:a="http://schemas.openxmlformats.org/drawingml/2006/main" xmlns:r="http://schemas.openxmlformats.org/officeDocument/2006/relationships" xmlns:p="http://schemas.openxmlformats.org/presentationml/2006/main">
+  <p:cSld>
+    <p:spTree>
+      <p:nvGrpSpPr>
+        <p:cNvPr id="1" name=""/>
+        <p:cNvGrpSpPr/>
+        <p:nvPr/>
+      </p:nvGrpSpPr>
+      <p:grpSpPr>
+        <a:xfrm>
+          <a:off x="0" y="0"/>
+          <a:ext cx="0" cy="0"/>
+          <a:chOff x="0" y="0"/>
+          <a:chExt cx="0" cy="0"/>
+        </a:xfrm>
+      </p:grpSpPr>
+      <p:sp>
+        <p:nvSpPr>
+          <p:cNvPr id="2" name="Slide Image Placeholder 1"/>
+          <p:cNvSpPr>
+            <a:spLocks noGrp="1" noRot="1" noChangeAspect="1"/>
+          </p:cNvSpPr>
+          <p:nvPr>
+            <p:ph type="sldImg"/>
+          </p:nvPr>
+        </p:nvSpPr>
+        <p:spPr/>
+      </p:sp>
+      <p:sp>
+        <p:nvSpPr>
+          <p:cNvPr id="3" name="Notes Placeholder 2"/>
+          <p:cNvSpPr>
+            <a:spLocks noGrp="1"/>
+          </p:cNvSpPr>
+          <p:nvPr>
+            <p:ph type="body" idx="1"/>
+          </p:nvPr>
+        </p:nvSpPr>
+        <p:spPr/>
+        <p:txBody>
+          <a:bodyPr/>
+          <a:lstStyle/>
+          <a:p>
+            <a:r>
+              <a:rPr lang="en-US" dirty="0" smtClean="0"/>
+              <a:t>Easy</a:t>
+            </a:r>
+            <a:r>
+              <a:rPr lang="en-US" baseline="0" dirty="0" smtClean="0"/>
+              <a:t> to serialize, compact, ignores whitespace.</a:t>
+            </a:r>
+          </a:p>
+          <a:p>
+            <a:r>
+              <a:rPr lang="en-US" baseline="0" dirty="0" smtClean="0"/>
+              <a:t>Good basic IDE support, but not for JSON schema (no equivalent to XML Schema support in Oxygen and XML Spy). </a:t>
+            </a:r>
+            <a:endParaRPr lang="en-US" dirty="0"/>
+          </a:p>
+        </p:txBody>
+      </p:sp>
+      <p:sp>
+        <p:nvSpPr>
+          <p:cNvPr id="4" name="Slide Number Placeholder 3"/>
+          <p:cNvSpPr>
+            <a:spLocks noGrp="1"/>
+          </p:cNvSpPr>
+          <p:nvPr>
+            <p:ph type="sldNum" sz="quarter" idx="10"/>
+          </p:nvPr>
+        </p:nvSpPr>
+        <p:spPr/>
+        <p:txBody>
+          <a:bodyPr/>
+          <a:lstStyle/>
+          <a:p>
+            <a:fld id="{86E298D3-FAEC-4429-BBB2-6E24FE792F56}" type="slidenum">
+              <a:rPr lang="en-US" smtClean="0"/>
+              <a:t>9</a:t>
+            </a:fld>
+            <a:endParaRPr lang="en-US" dirty="0"/>
+          </a:p>
+        </p:txBody>
+      </p:sp>
+    </p:spTree>
+    <p:extLst>
+      <p:ext uri="{BB962C8B-B14F-4D97-AF65-F5344CB8AC3E}">
+        <p14:creationId xmlns:p14="http://schemas.microsoft.com/office/powerpoint/2010/main" val="195187853"/>
       </p:ext>
     </p:extLst>
   </p:cSld>
@@ -13077,7 +14396,7 @@
                   </a:srgbClr>
                 </a:solidFill>
               </a:rPr>
-              <a:t>5/7/2015</a:t>
+              <a:t>5/10/2015</a:t>
             </a:fld>
             <a:endParaRPr lang="en-US" dirty="0">
               <a:solidFill>
@@ -13319,7 +14638,7 @@
                   </a:srgbClr>
                 </a:solidFill>
               </a:rPr>
-              <a:t>5/7/2015</a:t>
+              <a:t>5/10/2015</a:t>
             </a:fld>
             <a:endParaRPr lang="en-US" dirty="0">
               <a:solidFill>
@@ -13618,7 +14937,7 @@
               <a:pPr>
                 <a:defRPr/>
               </a:pPr>
-              <a:t>5/7/2015</a:t>
+              <a:t>5/10/2015</a:t>
             </a:fld>
             <a:endParaRPr lang="en-US" dirty="0">
               <a:solidFill>
@@ -13840,7 +15159,7 @@
               <a:pPr>
                 <a:defRPr/>
               </a:pPr>
-              <a:t>5/7/2015</a:t>
+              <a:t>5/10/2015</a:t>
             </a:fld>
             <a:endParaRPr lang="en-US" dirty="0">
               <a:solidFill>
@@ -14132,7 +15451,7 @@
               <a:pPr>
                 <a:defRPr/>
               </a:pPr>
-              <a:t>5/7/2015</a:t>
+              <a:t>5/10/2015</a:t>
             </a:fld>
             <a:endParaRPr lang="en-US" dirty="0">
               <a:solidFill>
@@ -14446,7 +15765,7 @@
               <a:pPr>
                 <a:defRPr/>
               </a:pPr>
-              <a:t>5/7/2015</a:t>
+              <a:t>5/10/2015</a:t>
             </a:fld>
             <a:endParaRPr lang="en-US" dirty="0">
               <a:solidFill>
@@ -14874,7 +16193,7 @@
               <a:pPr>
                 <a:defRPr/>
               </a:pPr>
-              <a:t>5/7/2015</a:t>
+              <a:t>5/10/2015</a:t>
             </a:fld>
             <a:endParaRPr lang="en-US" dirty="0">
               <a:solidFill>
@@ -15074,7 +16393,7 @@
               <a:pPr>
                 <a:defRPr/>
               </a:pPr>
-              <a:t>5/7/2015</a:t>
+              <a:t>5/10/2015</a:t>
             </a:fld>
             <a:endParaRPr lang="en-US" dirty="0">
               <a:solidFill>
@@ -15214,7 +16533,7 @@
               <a:pPr>
                 <a:defRPr/>
               </a:pPr>
-              <a:t>5/7/2015</a:t>
+              <a:t>5/10/2015</a:t>
             </a:fld>
             <a:endParaRPr lang="en-US" dirty="0">
               <a:solidFill>
@@ -15525,7 +16844,7 @@
               <a:pPr>
                 <a:defRPr/>
               </a:pPr>
-              <a:t>5/7/2015</a:t>
+              <a:t>5/10/2015</a:t>
             </a:fld>
             <a:endParaRPr lang="en-US" dirty="0">
               <a:solidFill>
@@ -15885,7 +17204,7 @@
               <a:pPr>
                 <a:defRPr/>
               </a:pPr>
-              <a:t>5/7/2015</a:t>
+              <a:t>5/10/2015</a:t>
             </a:fld>
             <a:endParaRPr lang="en-US" dirty="0">
               <a:solidFill>
@@ -16465,7 +17784,7 @@
                   </a:srgbClr>
                 </a:solidFill>
               </a:rPr>
-              <a:t>5/7/2015</a:t>
+              <a:t>5/10/2015</a:t>
             </a:fld>
             <a:endParaRPr lang="en-US" dirty="0">
               <a:solidFill>
@@ -16701,7 +18020,7 @@
               <a:pPr>
                 <a:defRPr/>
               </a:pPr>
-              <a:t>5/7/2015</a:t>
+              <a:t>5/10/2015</a:t>
             </a:fld>
             <a:endParaRPr lang="en-US" dirty="0">
               <a:solidFill>
@@ -16926,7 +18245,7 @@
               <a:pPr>
                 <a:defRPr/>
               </a:pPr>
-              <a:t>5/7/2015</a:t>
+              <a:t>5/10/2015</a:t>
             </a:fld>
             <a:endParaRPr lang="en-US" dirty="0">
               <a:solidFill>
@@ -17171,7 +18490,7 @@
                   </a:srgbClr>
                 </a:solidFill>
               </a:rPr>
-              <a:t>5/7/2015</a:t>
+              <a:t>5/10/2015</a:t>
             </a:fld>
             <a:endParaRPr lang="en-US" dirty="0">
               <a:solidFill>
@@ -17546,7 +18865,7 @@
                   </a:srgbClr>
                 </a:solidFill>
               </a:rPr>
-              <a:t>5/7/2015</a:t>
+              <a:t>5/10/2015</a:t>
             </a:fld>
             <a:endParaRPr lang="en-US" dirty="0">
               <a:solidFill>
@@ -17848,7 +19167,7 @@
                   </a:srgbClr>
                 </a:solidFill>
               </a:rPr>
-              <a:t>5/7/2015</a:t>
+              <a:t>5/10/2015</a:t>
             </a:fld>
             <a:endParaRPr lang="en-US" dirty="0">
               <a:solidFill>
@@ -18005,7 +19324,7 @@
                   </a:srgbClr>
                 </a:solidFill>
               </a:rPr>
-              <a:t>5/7/2015</a:t>
+              <a:t>5/10/2015</a:t>
             </a:fld>
             <a:endParaRPr lang="en-US" dirty="0">
               <a:solidFill>
@@ -18360,7 +19679,7 @@
                   </a:srgbClr>
                 </a:solidFill>
               </a:rPr>
-              <a:t>5/7/2015</a:t>
+              <a:t>5/10/2015</a:t>
             </a:fld>
             <a:endParaRPr lang="en-US" dirty="0">
               <a:solidFill>
@@ -18696,7 +20015,7 @@
                   </a:srgbClr>
                 </a:solidFill>
               </a:rPr>
-              <a:t>5/7/2015</a:t>
+              <a:t>5/10/2015</a:t>
             </a:fld>
             <a:endParaRPr lang="en-US" dirty="0">
               <a:solidFill>
@@ -18933,7 +20252,7 @@
                   </a:srgbClr>
                 </a:solidFill>
               </a:rPr>
-              <a:t>5/7/2015</a:t>
+              <a:t>5/10/2015</a:t>
             </a:fld>
             <a:endParaRPr lang="en-US" dirty="0">
               <a:solidFill>
@@ -19216,7 +20535,7 @@
             <a:fld id="{5AE4DD19-95FB-4280-9209-E7E1030A9938}" type="datetime1">
               <a:rPr lang="en-US" smtClean="0"/>
               <a:pPr/>
-              <a:t>5/7/2015</a:t>
+              <a:t>5/10/2015</a:t>
             </a:fld>
             <a:r>
               <a:rPr lang="en-US" dirty="0" smtClean="0"/>
@@ -20189,7 +21508,7 @@
                 </a:spcAft>
                 <a:defRPr/>
               </a:pPr>
-              <a:t>5/7/2015</a:t>
+              <a:t>5/10/2015</a:t>
             </a:fld>
             <a:endParaRPr lang="en-US" dirty="0">
               <a:solidFill>
@@ -21250,7 +22569,7 @@
                   </a:srgbClr>
                 </a:solidFill>
               </a:rPr>
-              <a:t>5/7/2015</a:t>
+              <a:t>5/10/2015</a:t>
             </a:fld>
             <a:endParaRPr lang="en-US" dirty="0">
               <a:solidFill>
@@ -21351,6 +22670,13 @@
   <p:clrMapOvr>
     <a:masterClrMapping/>
   </p:clrMapOvr>
+  <p:timing>
+    <p:tnLst>
+      <p:par>
+        <p:cTn id="1" dur="indefinite" restart="never" nodeType="tmRoot"/>
+      </p:par>
+    </p:tnLst>
+  </p:timing>
 </p:sld>
 </file>
 
@@ -21477,7 +22803,7 @@
                   </a:srgbClr>
                 </a:solidFill>
               </a:rPr>
-              <a:t>5/8/2015</a:t>
+              <a:t>5/10/2015</a:t>
             </a:fld>
             <a:endParaRPr lang="en-US" dirty="0">
               <a:solidFill>
@@ -21644,8 +22970,17 @@
           <a:p>
             <a:r>
               <a:rPr lang="en-US" dirty="0" smtClean="0"/>
-              <a:t>Inherits from ISO 19115/19110</a:t>
-            </a:r>
+              <a:t>Influenced by </a:t>
+            </a:r>
+            <a:r>
+              <a:rPr lang="en-US" dirty="0" smtClean="0"/>
+              <a:t>ISO </a:t>
+            </a:r>
+            <a:r>
+              <a:rPr lang="en-US" dirty="0" smtClean="0"/>
+              <a:t>19115-2/19110</a:t>
+            </a:r>
+            <a:endParaRPr lang="en-US" dirty="0" smtClean="0"/>
           </a:p>
           <a:p>
             <a:r>
@@ -21694,7 +23029,7 @@
                   </a:srgbClr>
                 </a:solidFill>
               </a:rPr>
-              <a:t>5/8/2015</a:t>
+              <a:t>5/10/2015</a:t>
             </a:fld>
             <a:endParaRPr lang="en-US" dirty="0">
               <a:solidFill>
@@ -21841,7 +23176,7 @@
                   </a:srgbClr>
                 </a:solidFill>
               </a:rPr>
-              <a:t>5/8/2015</a:t>
+              <a:t>5/10/2015</a:t>
             </a:fld>
             <a:endParaRPr lang="en-US" dirty="0">
               <a:solidFill>
@@ -21950,7 +23285,7 @@
         </p:xfrm>
         <a:graphic>
           <a:graphicData uri="http://schemas.openxmlformats.org/drawingml/2006/diagram">
-            <dgm:relIds xmlns:dgm="http://schemas.openxmlformats.org/drawingml/2006/diagram" xmlns:r="http://schemas.openxmlformats.org/officeDocument/2006/relationships" r:dm="rId2" r:lo="rId3" r:qs="rId4" r:cs="rId5"/>
+            <dgm:relIds xmlns:dgm="http://schemas.openxmlformats.org/drawingml/2006/diagram" xmlns:r="http://schemas.openxmlformats.org/officeDocument/2006/relationships" r:dm="rId3" r:lo="rId4" r:qs="rId5" r:cs="rId6"/>
           </a:graphicData>
         </a:graphic>
       </p:graphicFrame>
@@ -22008,7 +23343,7 @@
           <a:p>
             <a:r>
               <a:rPr lang="en-US" dirty="0" smtClean="0"/>
-              <a:t>Tools</a:t>
+              <a:t>Tools Needed</a:t>
             </a:r>
             <a:endParaRPr lang="en-US" dirty="0"/>
           </a:p>
@@ -22071,7 +23406,23 @@
           <a:p>
             <a:r>
               <a:rPr lang="en-US" dirty="0" smtClean="0"/>
-              <a:t>Lay groundwork for developing an editor</a:t>
+              <a:t>Lay groundwork for developing </a:t>
+            </a:r>
+            <a:r>
+              <a:rPr lang="en-US" dirty="0"/>
+              <a:t>a</a:t>
+            </a:r>
+            <a:r>
+              <a:rPr lang="en-US" dirty="0" smtClean="0"/>
+              <a:t> </a:t>
+            </a:r>
+            <a:r>
+              <a:rPr lang="en-US" dirty="0" err="1" smtClean="0"/>
+              <a:t>mdJSON</a:t>
+            </a:r>
+            <a:r>
+              <a:rPr lang="en-US" dirty="0" smtClean="0"/>
+              <a:t> editor</a:t>
             </a:r>
             <a:endParaRPr lang="en-US" dirty="0"/>
           </a:p>
@@ -22103,7 +23454,7 @@
                   </a:srgbClr>
                 </a:solidFill>
               </a:rPr>
-              <a:t>5/8/2015</a:t>
+              <a:t>5/10/2015</a:t>
             </a:fld>
             <a:endParaRPr lang="en-US" dirty="0">
               <a:solidFill>
@@ -22327,12 +23678,6 @@
               </a:rPr>
               <a:t>www.adiwg.org/mdTools</a:t>
             </a:r>
-            <a:endParaRPr lang="en-US" b="1" dirty="0" smtClean="0">
-              <a:solidFill>
-                <a:srgbClr val="009AD0"/>
-              </a:solidFill>
-              <a:latin typeface="Tahoma" panose="020B0604030504040204" pitchFamily="34" charset="0"/>
-            </a:endParaRPr>
           </a:p>
           <a:p>
             <a:pPr marL="0" indent="0" algn="ctr">
@@ -22373,12 +23718,6 @@
               </a:rPr>
               <a:t>mdbook.adiwg.org</a:t>
             </a:r>
-            <a:endParaRPr lang="en-US" b="1" dirty="0" smtClean="0">
-              <a:solidFill>
-                <a:srgbClr val="009AD0"/>
-              </a:solidFill>
-              <a:latin typeface="Tahoma" panose="020B0604030504040204" pitchFamily="34" charset="0"/>
-            </a:endParaRPr>
           </a:p>
         </p:txBody>
       </p:sp>
@@ -22408,7 +23747,7 @@
                   </a:srgbClr>
                 </a:solidFill>
               </a:rPr>
-              <a:t>5/7/2015</a:t>
+              <a:t>5/10/2015</a:t>
             </a:fld>
             <a:endParaRPr lang="en-US" dirty="0">
               <a:solidFill>
@@ -22577,13 +23916,38 @@
         </p:spPr>
         <p:txBody>
           <a:bodyPr>
-            <a:normAutofit/>
+            <a:normAutofit lnSpcReduction="10000"/>
           </a:bodyPr>
           <a:lstStyle/>
           <a:p>
             <a:r>
               <a:rPr lang="en-US" sz="2000" b="1" dirty="0" smtClean="0"/>
-              <a:t>Eliminate necessity to learn ISO 19115 family of standards</a:t>
+              <a:t>Share metadata easily and efficiently among organizations</a:t>
+            </a:r>
+          </a:p>
+          <a:p>
+            <a:r>
+              <a:rPr lang="en-US" sz="2000" b="1" dirty="0" smtClean="0"/>
+              <a:t>Support </a:t>
+            </a:r>
+            <a:r>
+              <a:rPr lang="en-US" sz="2000" b="1" dirty="0"/>
+              <a:t>both project and data </a:t>
+            </a:r>
+            <a:r>
+              <a:rPr lang="en-US" sz="2000" b="1" dirty="0" smtClean="0"/>
+              <a:t>metadata</a:t>
+            </a:r>
+            <a:endParaRPr lang="en-US" sz="2000" b="1" dirty="0"/>
+          </a:p>
+          <a:p>
+            <a:r>
+              <a:rPr lang="en-US" sz="2000" b="1" dirty="0" smtClean="0"/>
+              <a:t>Eliminate </a:t>
+            </a:r>
+            <a:r>
+              <a:rPr lang="en-US" sz="2000" b="1" dirty="0" smtClean="0"/>
+              <a:t>necessity to learn ISO 19115 family of standards</a:t>
             </a:r>
           </a:p>
           <a:p>
@@ -22659,13 +24023,11 @@
           <a:p>
             <a:r>
               <a:rPr lang="en-US" sz="2000" b="1" dirty="0" smtClean="0"/>
-              <a:t>Support both project and data metadata in ISO</a:t>
-            </a:r>
-          </a:p>
-          <a:p>
+              <a:t>Host </a:t>
+            </a:r>
             <a:r>
               <a:rPr lang="en-US" sz="2000" b="1" dirty="0" smtClean="0"/>
-              <a:t>Host a public web app for PIs to enter and edit  metadata</a:t>
+              <a:t>a public web app for PIs to enter and edit  metadata</a:t>
             </a:r>
           </a:p>
         </p:txBody>
@@ -22696,7 +24058,7 @@
                   </a:srgbClr>
                 </a:solidFill>
               </a:rPr>
-              <a:t>5/8/2015</a:t>
+              <a:t>5/10/2015</a:t>
             </a:fld>
             <a:endParaRPr lang="en-US" dirty="0">
               <a:solidFill>
@@ -22861,7 +24223,7 @@
                   </a:srgbClr>
                 </a:solidFill>
               </a:rPr>
-              <a:t>5/7/2015</a:t>
+              <a:t>5/10/2015</a:t>
             </a:fld>
             <a:endParaRPr lang="en-US" dirty="0">
               <a:solidFill>
@@ -23004,7 +24366,7 @@
         </p:xfrm>
         <a:graphic>
           <a:graphicData uri="http://schemas.openxmlformats.org/drawingml/2006/diagram">
-            <dgm:relIds xmlns:dgm="http://schemas.openxmlformats.org/drawingml/2006/diagram" xmlns:r="http://schemas.openxmlformats.org/officeDocument/2006/relationships" r:dm="rId2" r:lo="rId3" r:qs="rId4" r:cs="rId5"/>
+            <dgm:relIds xmlns:dgm="http://schemas.openxmlformats.org/drawingml/2006/diagram" xmlns:r="http://schemas.openxmlformats.org/officeDocument/2006/relationships" r:dm="rId3" r:lo="rId4" r:qs="rId5" r:cs="rId6"/>
           </a:graphicData>
         </a:graphic>
       </p:graphicFrame>
@@ -23245,7 +24607,7 @@
                   </a:srgbClr>
                 </a:solidFill>
               </a:rPr>
-              <a:t>5/8/2015</a:t>
+              <a:t>5/10/2015</a:t>
             </a:fld>
             <a:endParaRPr lang="en-US" dirty="0">
               <a:solidFill>
@@ -23390,11 +24752,11 @@
           <a:p>
             <a:r>
               <a:rPr lang="en-US" dirty="0" smtClean="0"/>
-              <a:t>ISO </a:t>
+              <a:t>ISO (</a:t>
             </a:r>
             <a:r>
               <a:rPr lang="en-US" dirty="0" smtClean="0"/>
-              <a:t>(19115) </a:t>
+              <a:t>19115-2) </a:t>
             </a:r>
             <a:r>
               <a:rPr lang="en-US" dirty="0" smtClean="0"/>
@@ -23486,7 +24848,7 @@
                   </a:srgbClr>
                 </a:solidFill>
               </a:rPr>
-              <a:t>5/7/2015</a:t>
+              <a:t>5/10/2015</a:t>
             </a:fld>
             <a:endParaRPr lang="en-US" dirty="0">
               <a:solidFill>
@@ -23667,7 +25029,7 @@
                   </a:srgbClr>
                 </a:solidFill>
               </a:rPr>
-              <a:t>5/7/2015</a:t>
+              <a:t>5/10/2015</a:t>
             </a:fld>
             <a:endParaRPr lang="en-US" dirty="0">
               <a:solidFill>
@@ -23810,7 +25172,7 @@
         </p:xfrm>
         <a:graphic>
           <a:graphicData uri="http://schemas.openxmlformats.org/drawingml/2006/diagram">
-            <dgm:relIds xmlns:dgm="http://schemas.openxmlformats.org/drawingml/2006/diagram" xmlns:r="http://schemas.openxmlformats.org/officeDocument/2006/relationships" r:dm="rId2" r:lo="rId3" r:qs="rId4" r:cs="rId5"/>
+            <dgm:relIds xmlns:dgm="http://schemas.openxmlformats.org/drawingml/2006/diagram" xmlns:r="http://schemas.openxmlformats.org/officeDocument/2006/relationships" r:dm="rId3" r:lo="rId4" r:qs="rId5" r:cs="rId6"/>
           </a:graphicData>
         </a:graphic>
       </p:graphicFrame>
@@ -23925,7 +25287,7 @@
                   </a:srgbClr>
                 </a:solidFill>
               </a:rPr>
-              <a:t>5/8/2015</a:t>
+              <a:t>5/10/2015</a:t>
             </a:fld>
             <a:endParaRPr lang="en-US" dirty="0">
               <a:solidFill>
@@ -24026,6 +25388,13 @@
   <p:clrMapOvr>
     <a:masterClrMapping/>
   </p:clrMapOvr>
+  <p:timing>
+    <p:tnLst>
+      <p:par>
+        <p:cTn id="1" dur="indefinite" restart="never" nodeType="tmRoot"/>
+      </p:par>
+    </p:tnLst>
+  </p:timing>
 </p:sld>
 </file>
 
@@ -24125,7 +25494,7 @@
                   </a:srgbClr>
                 </a:solidFill>
               </a:rPr>
-              <a:t>5/8/2015</a:t>
+              <a:t>5/10/2015</a:t>
             </a:fld>
             <a:endParaRPr lang="en-US" dirty="0">
               <a:solidFill>
@@ -24225,7 +25594,7 @@
         <p:spPr>
           <a:xfrm>
             <a:off x="2731592" y="1066800"/>
-            <a:ext cx="3680816" cy="5262979"/>
+            <a:ext cx="3680816" cy="5509200"/>
           </a:xfrm>
           <a:prstGeom prst="rect">
             <a:avLst/>
@@ -24338,14 +25707,58 @@
               <a:t>25</a:t>
             </a:r>
             <a:r>
+              <a:rPr lang="en-US" sz="1600" dirty="0" smtClean="0">
+                <a:solidFill>
+                  <a:schemeClr val="tx2"/>
+                </a:solidFill>
+                <a:latin typeface="Lucida Sans" panose="020B0602030504020204" pitchFamily="34" charset="0"/>
+              </a:rPr>
+              <a:t>,</a:t>
+            </a:r>
+          </a:p>
+          <a:p>
+            <a:r>
               <a:rPr lang="en-US" sz="1600" dirty="0">
                 <a:solidFill>
                   <a:schemeClr val="tx2"/>
                 </a:solidFill>
                 <a:latin typeface="Lucida Sans" panose="020B0602030504020204" pitchFamily="34" charset="0"/>
               </a:rPr>
+              <a:t> </a:t>
+            </a:r>
+            <a:r>
+              <a:rPr lang="en-US" sz="1600" dirty="0" smtClean="0">
+                <a:solidFill>
+                  <a:schemeClr val="tx2"/>
+                </a:solidFill>
+                <a:latin typeface="Lucida Sans" panose="020B0602030504020204" pitchFamily="34" charset="0"/>
+              </a:rPr>
+              <a:t> “active”: </a:t>
+            </a:r>
+            <a:r>
+              <a:rPr lang="en-US" sz="1600" dirty="0" smtClean="0">
+                <a:solidFill>
+                  <a:schemeClr val="accent2"/>
+                </a:solidFill>
+                <a:latin typeface="Lucida Sans" panose="020B0602030504020204" pitchFamily="34" charset="0"/>
+              </a:rPr>
+              <a:t>true</a:t>
+            </a:r>
+            <a:r>
+              <a:rPr lang="en-US" sz="1600" dirty="0" smtClean="0">
+                <a:solidFill>
+                  <a:schemeClr val="tx2"/>
+                </a:solidFill>
+                <a:latin typeface="Lucida Sans" panose="020B0602030504020204" pitchFamily="34" charset="0"/>
+              </a:rPr>
               <a:t>,</a:t>
             </a:r>
+            <a:endParaRPr lang="en-US" sz="1600" dirty="0">
+              <a:solidFill>
+                <a:schemeClr val="tx2"/>
+              </a:solidFill>
+              <a:latin typeface="Lucida Sans" panose="020B0602030504020204" pitchFamily="34" charset="0"/>
+            </a:endParaRPr>
           </a:p>
           <a:p>
             <a:r>
@@ -24674,12 +26087,6 @@
               </a:rPr>
               <a:t>}</a:t>
             </a:r>
-            <a:endParaRPr lang="en-US" sz="1600" dirty="0" smtClean="0">
-              <a:solidFill>
-                <a:schemeClr val="accent5"/>
-              </a:solidFill>
-              <a:latin typeface="Lucida Sans" panose="020B0602030504020204" pitchFamily="34" charset="0"/>
-            </a:endParaRPr>
           </a:p>
         </p:txBody>
       </p:sp>
@@ -24693,6 +26100,13 @@
   <p:clrMapOvr>
     <a:masterClrMapping/>
   </p:clrMapOvr>
+  <p:timing>
+    <p:tnLst>
+      <p:par>
+        <p:cTn id="1" dur="indefinite" restart="never" nodeType="tmRoot"/>
+      </p:par>
+    </p:tnLst>
+  </p:timing>
 </p:sld>
 </file>
 
@@ -24842,7 +26256,7 @@
                   </a:srgbClr>
                 </a:solidFill>
               </a:rPr>
-              <a:t>5/7/2015</a:t>
+              <a:t>5/10/2015</a:t>
             </a:fld>
             <a:endParaRPr lang="en-US" dirty="0">
               <a:solidFill>
@@ -24943,6 +26357,13 @@
   <p:clrMapOvr>
     <a:masterClrMapping/>
   </p:clrMapOvr>
+  <p:timing>
+    <p:tnLst>
+      <p:par>
+        <p:cTn id="1" dur="indefinite" restart="never" nodeType="tmRoot"/>
+      </p:par>
+    </p:tnLst>
+  </p:timing>
 </p:sld>
 </file>
 
